--- a/web/g22/status/Status1.pptx
+++ b/web/g22/status/Status1.pptx
@@ -5,10 +5,10 @@
     <p:sldMasterId id="2147483648" r:id="rId1"/>
   </p:sldMasterIdLst>
   <p:notesMasterIdLst>
-    <p:notesMasterId r:id="rId13"/>
+    <p:notesMasterId r:id="rId14"/>
   </p:notesMasterIdLst>
   <p:handoutMasterIdLst>
-    <p:handoutMasterId r:id="rId14"/>
+    <p:handoutMasterId r:id="rId15"/>
   </p:handoutMasterIdLst>
   <p:sldIdLst>
     <p:sldId id="380" r:id="rId2"/>
@@ -18,10 +18,11 @@
     <p:sldId id="382" r:id="rId6"/>
     <p:sldId id="383" r:id="rId7"/>
     <p:sldId id="386" r:id="rId8"/>
-    <p:sldId id="384" r:id="rId9"/>
-    <p:sldId id="385" r:id="rId10"/>
-    <p:sldId id="388" r:id="rId11"/>
+    <p:sldId id="385" r:id="rId9"/>
+    <p:sldId id="388" r:id="rId10"/>
+    <p:sldId id="391" r:id="rId11"/>
     <p:sldId id="389" r:id="rId12"/>
+    <p:sldId id="390" r:id="rId13"/>
   </p:sldIdLst>
   <p:sldSz cx="9144000" cy="6858000" type="screen4x3"/>
   <p:notesSz cx="7099300" cy="10234613"/>
@@ -162,10 +163,11 @@
             <p14:sldId id="382"/>
             <p14:sldId id="383"/>
             <p14:sldId id="386"/>
-            <p14:sldId id="384"/>
             <p14:sldId id="385"/>
             <p14:sldId id="388"/>
+            <p14:sldId id="391"/>
             <p14:sldId id="389"/>
+            <p14:sldId id="390"/>
           </p14:sldIdLst>
         </p14:section>
       </p14:sectionLst>
@@ -1745,7 +1747,7 @@
     </p:spTree>
     <p:extLst>
       <p:ext uri="{BB962C8B-B14F-4D97-AF65-F5344CB8AC3E}">
-        <p14:creationId xmlns:p14="http://schemas.microsoft.com/office/powerpoint/2010/main" val="697531377"/>
+        <p14:creationId xmlns:p14="http://schemas.microsoft.com/office/powerpoint/2010/main" val="4098951095"/>
       </p:ext>
     </p:extLst>
   </p:cSld>
@@ -2022,7 +2024,284 @@
     </p:spTree>
     <p:extLst>
       <p:ext uri="{BB962C8B-B14F-4D97-AF65-F5344CB8AC3E}">
-        <p14:creationId xmlns:p14="http://schemas.microsoft.com/office/powerpoint/2010/main" val="3410509649"/>
+        <p14:creationId xmlns:p14="http://schemas.microsoft.com/office/powerpoint/2010/main" val="4022501094"/>
+      </p:ext>
+    </p:extLst>
+  </p:cSld>
+  <p:clrMapOvr>
+    <a:masterClrMapping/>
+  </p:clrMapOvr>
+</p:notes>
+</file>
+
+<file path=ppt/notesSlides/notesSlide12.xml><?xml version="1.0" encoding="utf-8"?>
+<p:notes xmlns:a="http://schemas.openxmlformats.org/drawingml/2006/main" xmlns:r="http://schemas.openxmlformats.org/officeDocument/2006/relationships" xmlns:p="http://schemas.openxmlformats.org/presentationml/2006/main">
+  <p:cSld>
+    <p:spTree>
+      <p:nvGrpSpPr>
+        <p:cNvPr id="1" name=""/>
+        <p:cNvGrpSpPr/>
+        <p:nvPr/>
+      </p:nvGrpSpPr>
+      <p:grpSpPr>
+        <a:xfrm>
+          <a:off x="0" y="0"/>
+          <a:ext cx="0" cy="0"/>
+          <a:chOff x="0" y="0"/>
+          <a:chExt cx="0" cy="0"/>
+        </a:xfrm>
+      </p:grpSpPr>
+      <p:sp>
+        <p:nvSpPr>
+          <p:cNvPr id="22530" name="Rectangle 7"/>
+          <p:cNvSpPr>
+            <a:spLocks noGrp="1" noChangeArrowheads="1"/>
+          </p:cNvSpPr>
+          <p:nvPr>
+            <p:ph type="sldNum" sz="quarter" idx="5"/>
+          </p:nvPr>
+        </p:nvSpPr>
+        <p:spPr>
+          <a:noFill/>
+          <a:ln/>
+          <a:extLst>
+            <a:ext uri="{909E8E84-426E-40DD-AFC4-6F175D3DCCD1}">
+              <a14:hiddenFill xmlns:a14="http://schemas.microsoft.com/office/drawing/2010/main">
+                <a:solidFill>
+                  <a:srgbClr val="FFFFFF"/>
+                </a:solidFill>
+              </a14:hiddenFill>
+            </a:ext>
+            <a:ext uri="{91240B29-F687-4F45-9708-019B960494DF}">
+              <a14:hiddenLine xmlns:a14="http://schemas.microsoft.com/office/drawing/2010/main" w="9525">
+                <a:solidFill>
+                  <a:srgbClr val="000000"/>
+                </a:solidFill>
+                <a:miter lim="800000"/>
+                <a:headEnd/>
+                <a:tailEnd/>
+              </a14:hiddenLine>
+            </a:ext>
+          </a:extLst>
+        </p:spPr>
+        <p:txBody>
+          <a:bodyPr/>
+          <a:lstStyle>
+            <a:lvl1pPr defTabSz="990528" eaLnBrk="0" hangingPunct="0">
+              <a:spcBef>
+                <a:spcPct val="30000"/>
+              </a:spcBef>
+              <a:defRPr sz="1200">
+                <a:solidFill>
+                  <a:schemeClr val="tx1"/>
+                </a:solidFill>
+                <a:latin typeface="Times New Roman" pitchFamily="18" charset="0"/>
+                <a:ea typeface="ＭＳ Ｐゴシック" pitchFamily="34" charset="-128"/>
+              </a:defRPr>
+            </a:lvl1pPr>
+            <a:lvl2pPr marL="742897" indent="-285730" defTabSz="990528" eaLnBrk="0" hangingPunct="0">
+              <a:spcBef>
+                <a:spcPct val="30000"/>
+              </a:spcBef>
+              <a:defRPr sz="1200">
+                <a:solidFill>
+                  <a:schemeClr val="tx1"/>
+                </a:solidFill>
+                <a:latin typeface="Times New Roman" pitchFamily="18" charset="0"/>
+                <a:ea typeface="ＭＳ Ｐゴシック" pitchFamily="34" charset="-128"/>
+              </a:defRPr>
+            </a:lvl2pPr>
+            <a:lvl3pPr marL="1142918" indent="-228584" defTabSz="990528" eaLnBrk="0" hangingPunct="0">
+              <a:spcBef>
+                <a:spcPct val="30000"/>
+              </a:spcBef>
+              <a:defRPr sz="1200">
+                <a:solidFill>
+                  <a:schemeClr val="tx1"/>
+                </a:solidFill>
+                <a:latin typeface="Times New Roman" pitchFamily="18" charset="0"/>
+                <a:ea typeface="ＭＳ Ｐゴシック" pitchFamily="34" charset="-128"/>
+              </a:defRPr>
+            </a:lvl3pPr>
+            <a:lvl4pPr marL="1600085" indent="-228584" defTabSz="990528" eaLnBrk="0" hangingPunct="0">
+              <a:spcBef>
+                <a:spcPct val="30000"/>
+              </a:spcBef>
+              <a:defRPr sz="1200">
+                <a:solidFill>
+                  <a:schemeClr val="tx1"/>
+                </a:solidFill>
+                <a:latin typeface="Times New Roman" pitchFamily="18" charset="0"/>
+                <a:ea typeface="ＭＳ Ｐゴシック" pitchFamily="34" charset="-128"/>
+              </a:defRPr>
+            </a:lvl4pPr>
+            <a:lvl5pPr marL="2057252" indent="-228584" defTabSz="990528" eaLnBrk="0" hangingPunct="0">
+              <a:spcBef>
+                <a:spcPct val="30000"/>
+              </a:spcBef>
+              <a:defRPr sz="1200">
+                <a:solidFill>
+                  <a:schemeClr val="tx1"/>
+                </a:solidFill>
+                <a:latin typeface="Times New Roman" pitchFamily="18" charset="0"/>
+                <a:ea typeface="ＭＳ Ｐゴシック" pitchFamily="34" charset="-128"/>
+              </a:defRPr>
+            </a:lvl5pPr>
+            <a:lvl6pPr marL="2514419" indent="-228584" defTabSz="990528" eaLnBrk="0" fontAlgn="base" hangingPunct="0">
+              <a:spcBef>
+                <a:spcPct val="30000"/>
+              </a:spcBef>
+              <a:spcAft>
+                <a:spcPct val="0"/>
+              </a:spcAft>
+              <a:defRPr sz="1200">
+                <a:solidFill>
+                  <a:schemeClr val="tx1"/>
+                </a:solidFill>
+                <a:latin typeface="Times New Roman" pitchFamily="18" charset="0"/>
+                <a:ea typeface="ＭＳ Ｐゴシック" pitchFamily="34" charset="-128"/>
+              </a:defRPr>
+            </a:lvl6pPr>
+            <a:lvl7pPr marL="2971585" indent="-228584" defTabSz="990528" eaLnBrk="0" fontAlgn="base" hangingPunct="0">
+              <a:spcBef>
+                <a:spcPct val="30000"/>
+              </a:spcBef>
+              <a:spcAft>
+                <a:spcPct val="0"/>
+              </a:spcAft>
+              <a:defRPr sz="1200">
+                <a:solidFill>
+                  <a:schemeClr val="tx1"/>
+                </a:solidFill>
+                <a:latin typeface="Times New Roman" pitchFamily="18" charset="0"/>
+                <a:ea typeface="ＭＳ Ｐゴシック" pitchFamily="34" charset="-128"/>
+              </a:defRPr>
+            </a:lvl7pPr>
+            <a:lvl8pPr marL="3428752" indent="-228584" defTabSz="990528" eaLnBrk="0" fontAlgn="base" hangingPunct="0">
+              <a:spcBef>
+                <a:spcPct val="30000"/>
+              </a:spcBef>
+              <a:spcAft>
+                <a:spcPct val="0"/>
+              </a:spcAft>
+              <a:defRPr sz="1200">
+                <a:solidFill>
+                  <a:schemeClr val="tx1"/>
+                </a:solidFill>
+                <a:latin typeface="Times New Roman" pitchFamily="18" charset="0"/>
+                <a:ea typeface="ＭＳ Ｐゴシック" pitchFamily="34" charset="-128"/>
+              </a:defRPr>
+            </a:lvl8pPr>
+            <a:lvl9pPr marL="3885919" indent="-228584" defTabSz="990528" eaLnBrk="0" fontAlgn="base" hangingPunct="0">
+              <a:spcBef>
+                <a:spcPct val="30000"/>
+              </a:spcBef>
+              <a:spcAft>
+                <a:spcPct val="0"/>
+              </a:spcAft>
+              <a:defRPr sz="1200">
+                <a:solidFill>
+                  <a:schemeClr val="tx1"/>
+                </a:solidFill>
+                <a:latin typeface="Times New Roman" pitchFamily="18" charset="0"/>
+                <a:ea typeface="ＭＳ Ｐゴシック" pitchFamily="34" charset="-128"/>
+              </a:defRPr>
+            </a:lvl9pPr>
+          </a:lstStyle>
+          <a:p>
+            <a:pPr eaLnBrk="1" hangingPunct="1">
+              <a:spcBef>
+                <a:spcPct val="0"/>
+              </a:spcBef>
+            </a:pPr>
+            <a:fld id="{392CB419-FA32-4238-A473-EBED58FF00DE}" type="slidenum">
+              <a:rPr lang="da-DK" altLang="da-DK" sz="1300">
+                <a:solidFill>
+                  <a:srgbClr val="CC0000"/>
+                </a:solidFill>
+              </a:rPr>
+              <a:pPr eaLnBrk="1" hangingPunct="1">
+                <a:spcBef>
+                  <a:spcPct val="0"/>
+                </a:spcBef>
+              </a:pPr>
+              <a:t>12</a:t>
+            </a:fld>
+            <a:endParaRPr lang="da-DK" altLang="da-DK" sz="1300">
+              <a:solidFill>
+                <a:srgbClr val="CC0000"/>
+              </a:solidFill>
+            </a:endParaRPr>
+          </a:p>
+        </p:txBody>
+      </p:sp>
+      <p:sp>
+        <p:nvSpPr>
+          <p:cNvPr id="22531" name="Rectangle 2"/>
+          <p:cNvSpPr>
+            <a:spLocks noGrp="1" noRot="1" noChangeAspect="1" noChangeArrowheads="1" noTextEdit="1"/>
+          </p:cNvSpPr>
+          <p:nvPr>
+            <p:ph type="sldImg"/>
+          </p:nvPr>
+        </p:nvSpPr>
+        <p:spPr>
+          <a:xfrm>
+            <a:off x="992188" y="768350"/>
+            <a:ext cx="5114925" cy="3836988"/>
+          </a:xfrm>
+          <a:ln/>
+        </p:spPr>
+      </p:sp>
+      <p:sp>
+        <p:nvSpPr>
+          <p:cNvPr id="22532" name="Rectangle 3"/>
+          <p:cNvSpPr>
+            <a:spLocks noGrp="1" noChangeArrowheads="1"/>
+          </p:cNvSpPr>
+          <p:nvPr>
+            <p:ph type="body" idx="1"/>
+          </p:nvPr>
+        </p:nvSpPr>
+        <p:spPr>
+          <a:noFill/>
+          <a:ln/>
+          <a:extLst>
+            <a:ext uri="{909E8E84-426E-40DD-AFC4-6F175D3DCCD1}">
+              <a14:hiddenFill xmlns:a14="http://schemas.microsoft.com/office/drawing/2010/main">
+                <a:solidFill>
+                  <a:srgbClr val="FFFFFF"/>
+                </a:solidFill>
+              </a14:hiddenFill>
+            </a:ext>
+            <a:ext uri="{91240B29-F687-4F45-9708-019B960494DF}">
+              <a14:hiddenLine xmlns:a14="http://schemas.microsoft.com/office/drawing/2010/main" w="9525">
+                <a:solidFill>
+                  <a:srgbClr val="000000"/>
+                </a:solidFill>
+                <a:miter lim="800000"/>
+                <a:headEnd/>
+                <a:tailEnd/>
+              </a14:hiddenLine>
+            </a:ext>
+          </a:extLst>
+        </p:spPr>
+        <p:txBody>
+          <a:bodyPr/>
+          <a:lstStyle/>
+          <a:p>
+            <a:pPr eaLnBrk="1" hangingPunct="1"/>
+            <a:endParaRPr lang="en-US" altLang="da-DK" smtClean="0">
+              <a:latin typeface="Times New Roman" pitchFamily="18" charset="0"/>
+              <a:ea typeface="ＭＳ Ｐゴシック" pitchFamily="34" charset="-128"/>
+            </a:endParaRPr>
+          </a:p>
+        </p:txBody>
+      </p:sp>
+    </p:spTree>
+    <p:extLst>
+      <p:ext uri="{BB962C8B-B14F-4D97-AF65-F5344CB8AC3E}">
+        <p14:creationId xmlns:p14="http://schemas.microsoft.com/office/powerpoint/2010/main" val="2332812006"/>
       </p:ext>
     </p:extLst>
   </p:cSld>
@@ -3961,7 +4240,7 @@
     </p:spTree>
     <p:extLst>
       <p:ext uri="{BB962C8B-B14F-4D97-AF65-F5344CB8AC3E}">
-        <p14:creationId xmlns:p14="http://schemas.microsoft.com/office/powerpoint/2010/main" val="2992045264"/>
+        <p14:creationId xmlns:p14="http://schemas.microsoft.com/office/powerpoint/2010/main" val="1368746002"/>
       </p:ext>
     </p:extLst>
   </p:cSld>
@@ -4238,7 +4517,7 @@
     </p:spTree>
     <p:extLst>
       <p:ext uri="{BB962C8B-B14F-4D97-AF65-F5344CB8AC3E}">
-        <p14:creationId xmlns:p14="http://schemas.microsoft.com/office/powerpoint/2010/main" val="1368746002"/>
+        <p14:creationId xmlns:p14="http://schemas.microsoft.com/office/powerpoint/2010/main" val="697531377"/>
       </p:ext>
     </p:extLst>
   </p:cSld>
@@ -6186,7 +6465,7 @@
             </a:pPr>
             <a:r>
               <a:rPr lang="da-DK" sz="1600" dirty="0" smtClean="0"/>
-              <a:t>9.15 Forelæsning (med en kort pause midtvejs)</a:t>
+              <a:t>9.15 Forelæsning (med en pause midtvejs)</a:t>
             </a:r>
           </a:p>
           <a:p>
@@ -6196,8 +6475,12 @@
               </a:spcBef>
             </a:pPr>
             <a:r>
+              <a:rPr lang="da-DK" sz="1600" smtClean="0"/>
+              <a:t>11.45 </a:t>
+            </a:r>
+            <a:r>
               <a:rPr lang="da-DK" sz="1600" dirty="0" smtClean="0"/>
-              <a:t>11.15 Præsentationsrunde og sammensætning af programmeringspar</a:t>
+              <a:t>Præsentationsrunde og sammensætning af programmeringspar</a:t>
             </a:r>
           </a:p>
           <a:p>
@@ -6208,31 +6491,7 @@
             </a:pPr>
             <a:r>
               <a:rPr lang="da-DK" sz="1600" dirty="0" smtClean="0"/>
-              <a:t>12.15 Check af </a:t>
-            </a:r>
-            <a:r>
-              <a:rPr lang="da-DK" sz="1600" dirty="0" err="1" smtClean="0"/>
-              <a:t>BlueJ</a:t>
-            </a:r>
-            <a:r>
-              <a:rPr lang="da-DK" sz="1600" dirty="0" smtClean="0"/>
-              <a:t> installation og mailopsætning (samt brug af </a:t>
-            </a:r>
-            <a:r>
-              <a:rPr lang="da-DK" sz="1600" dirty="0" err="1" smtClean="0"/>
-              <a:t>breakout</a:t>
-            </a:r>
-            <a:r>
-              <a:rPr lang="da-DK" sz="1600" dirty="0" smtClean="0"/>
-              <a:t> </a:t>
-            </a:r>
-            <a:r>
-              <a:rPr lang="da-DK" sz="1600" dirty="0" err="1" smtClean="0"/>
-              <a:t>rooms</a:t>
-            </a:r>
-            <a:r>
-              <a:rPr lang="da-DK" sz="1600" dirty="0" smtClean="0"/>
-              <a:t>)</a:t>
+              <a:t>12.15 Check af BlueJ installation og mailopsætning</a:t>
             </a:r>
           </a:p>
           <a:p>
@@ -6254,7 +6513,7 @@
             </a:pPr>
             <a:r>
               <a:rPr lang="da-DK" sz="1600" dirty="0" smtClean="0"/>
-              <a:t>13.00 Forelæsning (med en kort pause midtvejs)</a:t>
+              <a:t>13.00 Forelæsning (med en pause midtvejs)</a:t>
             </a:r>
           </a:p>
           <a:p>
@@ -6369,8 +6628,8 @@
         </p:nvSpPr>
         <p:spPr bwMode="auto">
           <a:xfrm>
-            <a:off x="611561" y="4397879"/>
-            <a:ext cx="5472608" cy="1839433"/>
+            <a:off x="611560" y="4397879"/>
+            <a:ext cx="5760639" cy="1839433"/>
           </a:xfrm>
           <a:prstGeom prst="rect">
             <a:avLst/>
@@ -6609,13 +6868,16 @@
             </a:r>
             <a:r>
               <a:rPr lang="en-US" sz="1600" dirty="0" smtClean="0"/>
-              <a:t> 558 </a:t>
+              <a:t> 630 </a:t>
             </a:r>
             <a:r>
               <a:rPr lang="en-US" sz="1600" dirty="0" err="1" smtClean="0"/>
               <a:t>kr</a:t>
             </a:r>
-            <a:endParaRPr lang="en-US" sz="1600" dirty="0" smtClean="0"/>
+            <a:r>
+              <a:rPr lang="en-US" sz="1600" dirty="0" smtClean="0"/>
+              <a:t> (-10% rabat)</a:t>
+            </a:r>
           </a:p>
           <a:p>
             <a:pPr marL="742950" lvl="1" indent="-285750">
@@ -6813,7 +7075,7 @@
         <p:spPr bwMode="auto">
           <a:xfrm>
             <a:off x="459225" y="260349"/>
-            <a:ext cx="8793295" cy="682625"/>
+            <a:ext cx="8577271" cy="682625"/>
           </a:xfrm>
           <a:prstGeom prst="rect">
             <a:avLst/>
@@ -6986,7 +7248,7 @@
             <a:pPr marL="271463" indent="-271463"/>
             <a:r>
               <a:rPr lang="da-DK" altLang="da-DK" sz="2800" dirty="0" smtClean="0"/>
-              <a:t>Efter seminaret</a:t>
+              <a:t>Frem mod næste seminar (fortsat)</a:t>
             </a:r>
             <a:endParaRPr lang="da-DK" altLang="da-DK" sz="2800" dirty="0"/>
           </a:p>
@@ -7003,7 +7265,7 @@
         <p:spPr bwMode="auto">
           <a:xfrm>
             <a:off x="539552" y="1124744"/>
-            <a:ext cx="8352928" cy="5472608"/>
+            <a:ext cx="8496944" cy="5733256"/>
           </a:xfrm>
           <a:prstGeom prst="rect">
             <a:avLst/>
@@ -7168,7 +7430,7 @@
           <a:p>
             <a:pPr marL="271463" lvl="1" indent="-271463">
               <a:spcBef>
-                <a:spcPts val="1800"/>
+                <a:spcPts val="1200"/>
               </a:spcBef>
               <a:buFontTx/>
               <a:buChar char="•"/>
@@ -7179,36 +7441,179 @@
                   <a:srgbClr val="A50021"/>
                 </a:solidFill>
               </a:rPr>
-              <a:t>Forelæsningerne kan genses inde på side ”Forelæsningsvideoer”</a:t>
-            </a:r>
+              <a:t>Diskussionsforummet</a:t>
+            </a:r>
+            <a:endParaRPr lang="da-DK" altLang="da-DK" sz="1800" b="1" spc="-40" dirty="0">
+              <a:solidFill>
+                <a:srgbClr val="A50021"/>
+              </a:solidFill>
+            </a:endParaRPr>
           </a:p>
           <a:p>
             <a:pPr marL="742950" lvl="1" indent="-285750">
               <a:spcBef>
                 <a:spcPts val="600"/>
               </a:spcBef>
+              <a:buFontTx/>
+              <a:buChar char="–"/>
             </a:pPr>
             <a:r>
+              <a:rPr lang="da-DK" altLang="da-DK" sz="1600" spc="-70" dirty="0" smtClean="0"/>
+              <a:t>Husk at bruge diskussionsforummet – der får I hurtigt svar (også om aftenen og i weekender)</a:t>
+            </a:r>
+          </a:p>
+          <a:p>
+            <a:pPr marL="742950" lvl="1" indent="-285750">
+              <a:spcBef>
+                <a:spcPts val="600"/>
+              </a:spcBef>
+              <a:buFontTx/>
+              <a:buChar char="–"/>
+            </a:pPr>
+            <a:r>
               <a:rPr lang="da-DK" altLang="da-DK" sz="1600" dirty="0" smtClean="0"/>
-              <a:t>Kommer i løbet af aftenen (tager en del timer at konvertere)</a:t>
-            </a:r>
+              <a:t>Vi vil nødigt have mails fra jer (med mindre det er om ting, der ikke vedrører andre</a:t>
+            </a:r>
+            <a:r>
+              <a:rPr lang="da-DK" altLang="da-DK" sz="1600" dirty="0" smtClean="0"/>
+              <a:t>)</a:t>
+            </a:r>
+          </a:p>
+          <a:p>
+            <a:pPr lvl="1">
+              <a:spcBef>
+                <a:spcPts val="600"/>
+              </a:spcBef>
+              <a:buNone/>
+            </a:pPr>
+            <a:endParaRPr lang="da-DK" altLang="da-DK" sz="1600" dirty="0" smtClean="0"/>
           </a:p>
           <a:p>
             <a:pPr marL="271463" lvl="1" indent="-271463">
               <a:spcBef>
-                <a:spcPts val="1800"/>
+                <a:spcPts val="1200"/>
               </a:spcBef>
               <a:buFontTx/>
               <a:buChar char="•"/>
             </a:pPr>
             <a:r>
+              <a:rPr lang="da-DK" altLang="da-DK" sz="1800" b="1" spc="-40" dirty="0">
+                <a:solidFill>
+                  <a:srgbClr val="A50021"/>
+                </a:solidFill>
+              </a:rPr>
+              <a:t>Hvis I ønsker </a:t>
+            </a:r>
+            <a:r>
               <a:rPr lang="da-DK" altLang="da-DK" sz="1800" b="1" spc="-40" dirty="0" smtClean="0">
                 <a:solidFill>
                   <a:srgbClr val="A50021"/>
                 </a:solidFill>
               </a:rPr>
-              <a:t>Raflebæger 1 afleveres inde på siden ”Aflevér opgave”</a:t>
-            </a:r>
+              <a:t>det, kan </a:t>
+            </a:r>
+            <a:r>
+              <a:rPr lang="da-DK" altLang="da-DK" sz="1800" b="1" spc="-40" dirty="0">
+                <a:solidFill>
+                  <a:srgbClr val="A50021"/>
+                </a:solidFill>
+              </a:rPr>
+              <a:t>I arbejde sammen med </a:t>
+            </a:r>
+            <a:r>
+              <a:rPr lang="da-DK" altLang="da-DK" sz="1800" b="1" spc="-40" dirty="0" smtClean="0">
+                <a:solidFill>
+                  <a:srgbClr val="A50021"/>
+                </a:solidFill>
+              </a:rPr>
+              <a:t>jeres </a:t>
+            </a:r>
+            <a:r>
+              <a:rPr lang="da-DK" altLang="da-DK" sz="1800" b="1" spc="-40" dirty="0">
+                <a:solidFill>
+                  <a:srgbClr val="A50021"/>
+                </a:solidFill>
+              </a:rPr>
+              <a:t>makker via Zoom</a:t>
+            </a:r>
+          </a:p>
+          <a:p>
+            <a:pPr marL="742950" lvl="1" indent="-285750">
+              <a:spcBef>
+                <a:spcPts val="600"/>
+              </a:spcBef>
+            </a:pPr>
+            <a:r>
+              <a:rPr lang="da-DK" altLang="da-DK" sz="1600" dirty="0" smtClean="0"/>
+              <a:t>På siden ”Installation og brug af Zoom” under ”Info om kurset (inklusiv nyttige links)” </a:t>
+            </a:r>
+            <a:r>
+              <a:rPr lang="da-DK" altLang="da-DK" sz="1600" dirty="0"/>
+              <a:t>er det </a:t>
+            </a:r>
+            <a:r>
+              <a:rPr lang="da-DK" altLang="da-DK" sz="1600" dirty="0" smtClean="0"/>
+              <a:t>forklaret, </a:t>
+            </a:r>
+            <a:r>
+              <a:rPr lang="da-DK" altLang="da-DK" sz="1600" dirty="0"/>
+              <a:t>hvordan man selv laver et </a:t>
+            </a:r>
+            <a:r>
+              <a:rPr lang="da-DK" altLang="da-DK" sz="1600" dirty="0" smtClean="0"/>
+              <a:t>møde</a:t>
+            </a:r>
+          </a:p>
+          <a:p>
+            <a:pPr lvl="1">
+              <a:spcBef>
+                <a:spcPts val="600"/>
+              </a:spcBef>
+              <a:buNone/>
+            </a:pPr>
+            <a:endParaRPr lang="da-DK" altLang="da-DK" sz="1600" dirty="0" smtClean="0"/>
+          </a:p>
+          <a:p>
+            <a:pPr marL="271463" lvl="1" indent="-271463">
+              <a:spcBef>
+                <a:spcPts val="1200"/>
+              </a:spcBef>
+              <a:buFontTx/>
+              <a:buChar char="•"/>
+            </a:pPr>
+            <a:r>
+              <a:rPr lang="da-DK" altLang="da-DK" sz="1800" b="1" spc="-40" dirty="0">
+                <a:solidFill>
+                  <a:srgbClr val="A50021"/>
+                </a:solidFill>
+              </a:rPr>
+              <a:t>Testserveren husker jeres adgangskode og </a:t>
+            </a:r>
+            <a:r>
+              <a:rPr lang="da-DK" altLang="da-DK" sz="1800" b="1" spc="-40" dirty="0" smtClean="0">
+                <a:solidFill>
+                  <a:srgbClr val="A50021"/>
+                </a:solidFill>
+              </a:rPr>
+              <a:t>password fra gang til gang</a:t>
+            </a:r>
+            <a:endParaRPr lang="da-DK" altLang="da-DK" sz="1800" b="1" spc="-40" dirty="0">
+              <a:solidFill>
+                <a:srgbClr val="A50021"/>
+              </a:solidFill>
+            </a:endParaRPr>
+          </a:p>
+          <a:p>
+            <a:pPr marL="742950" lvl="1" indent="-285750">
+              <a:spcBef>
+                <a:spcPts val="600"/>
+              </a:spcBef>
+            </a:pPr>
+            <a:r>
+              <a:rPr lang="da-DK" altLang="da-DK" sz="1600" dirty="0" smtClean="0"/>
+              <a:t>Hvis I sender et projekt til jeres makker, bør denne fjerne filen upload-data.dat (der ligger i mappen for det enkelte BlueJ projekt), således at der køres under det rigtige navn</a:t>
+            </a:r>
+            <a:endParaRPr lang="da-DK" altLang="da-DK" sz="1600" dirty="0"/>
           </a:p>
           <a:p>
             <a:pPr marL="742950" lvl="1" indent="-285750">
@@ -7218,163 +7623,6 @@
               <a:buFontTx/>
               <a:buChar char="–"/>
             </a:pPr>
-            <a:r>
-              <a:rPr lang="da-DK" altLang="da-DK" sz="1600" dirty="0"/>
-              <a:t>Det </a:t>
-            </a:r>
-            <a:r>
-              <a:rPr lang="da-DK" altLang="da-DK" sz="1600" dirty="0" smtClean="0"/>
-              <a:t>kan </a:t>
-            </a:r>
-            <a:r>
-              <a:rPr lang="da-DK" altLang="da-DK" sz="1600" dirty="0"/>
-              <a:t>I </a:t>
-            </a:r>
-            <a:r>
-              <a:rPr lang="da-DK" altLang="da-DK" sz="1600" dirty="0" smtClean="0"/>
-              <a:t>først gøre, </a:t>
-            </a:r>
-            <a:r>
-              <a:rPr lang="da-DK" altLang="da-DK" sz="1600" dirty="0"/>
-              <a:t>når jeg </a:t>
-            </a:r>
-            <a:r>
-              <a:rPr lang="da-DK" altLang="da-DK" sz="1600" dirty="0" smtClean="0"/>
-              <a:t>har </a:t>
-            </a:r>
-            <a:r>
-              <a:rPr lang="da-DK" altLang="da-DK" sz="1600" dirty="0"/>
-              <a:t>lagt parrene ind i </a:t>
-            </a:r>
-            <a:r>
-              <a:rPr lang="da-DK" altLang="da-DK" sz="1600" dirty="0" smtClean="0"/>
-              <a:t>Blackboard </a:t>
-            </a:r>
-            <a:r>
-              <a:rPr lang="da-DK" altLang="da-DK" sz="1600" dirty="0"/>
-              <a:t>(hvilket </a:t>
-            </a:r>
-            <a:r>
-              <a:rPr lang="da-DK" altLang="da-DK" sz="1600" dirty="0" smtClean="0"/>
-              <a:t>nok bliver lørdag </a:t>
-            </a:r>
-            <a:r>
-              <a:rPr lang="da-DK" altLang="da-DK" sz="1600" dirty="0"/>
-              <a:t>formiddag</a:t>
-            </a:r>
-            <a:r>
-              <a:rPr lang="da-DK" altLang="da-DK" sz="1600" dirty="0" smtClean="0"/>
-              <a:t>) – jeg skriver på webboardet, </a:t>
-            </a:r>
-            <a:r>
-              <a:rPr lang="da-DK" altLang="da-DK" sz="1600" dirty="0"/>
-              <a:t>n</a:t>
-            </a:r>
-            <a:r>
-              <a:rPr lang="da-DK" altLang="da-DK" sz="1600" dirty="0" smtClean="0"/>
-              <a:t>år det er gjort</a:t>
-            </a:r>
-          </a:p>
-          <a:p>
-            <a:pPr marL="742950" lvl="1" indent="-285750">
-              <a:spcBef>
-                <a:spcPts val="600"/>
-              </a:spcBef>
-            </a:pPr>
-            <a:r>
-              <a:rPr lang="da-DK" altLang="da-DK" sz="1600" dirty="0"/>
-              <a:t>Husk at bruge testserveren før I afleverer (som beskrevet i opgaven)</a:t>
-            </a:r>
-          </a:p>
-          <a:p>
-            <a:pPr marL="742950" lvl="1" indent="-285750">
-              <a:spcBef>
-                <a:spcPts val="600"/>
-              </a:spcBef>
-              <a:buFontTx/>
-              <a:buChar char="–"/>
-            </a:pPr>
-            <a:r>
-              <a:rPr lang="da-DK" altLang="da-DK" sz="1600" dirty="0" smtClean="0"/>
-              <a:t>Det er nok, at en fra hvert par afleverer (ellers oprettes der to afleveringer, hvor instruktoren kun retter den sidste)</a:t>
-            </a:r>
-          </a:p>
-          <a:p>
-            <a:pPr marL="742950" lvl="1" indent="-285750">
-              <a:spcBef>
-                <a:spcPts val="600"/>
-              </a:spcBef>
-              <a:buFontTx/>
-              <a:buChar char="–"/>
-            </a:pPr>
-            <a:r>
-              <a:rPr lang="da-DK" altLang="da-DK" sz="1600" dirty="0" smtClean="0"/>
-              <a:t>Når instruktorerne har rettet en opgave, får I en notifikation i Blackboard – som giver jer adgang til instruktorens kommentarer</a:t>
-            </a:r>
-          </a:p>
-          <a:p>
-            <a:pPr marL="742950" lvl="1" indent="-285750">
-              <a:spcBef>
-                <a:spcPts val="600"/>
-              </a:spcBef>
-              <a:buFontTx/>
-              <a:buChar char="–"/>
-            </a:pPr>
-            <a:r>
-              <a:rPr lang="da-DK" altLang="da-DK" sz="1600" dirty="0" smtClean="0"/>
-              <a:t>Der er sikkert mange, der vil få genaflevering de første gange – for at rette småting i jeres programmeringsstil (der kommer mere info om, hvilken stil I bør benytte på næste seminar – se også </a:t>
-            </a:r>
-            <a:r>
-              <a:rPr lang="da-DK" altLang="da-DK" sz="1600" dirty="0" err="1" smtClean="0"/>
-              <a:t>Appendix</a:t>
-            </a:r>
-            <a:r>
-              <a:rPr lang="da-DK" altLang="da-DK" sz="1600" dirty="0" smtClean="0"/>
-              <a:t> J)</a:t>
-            </a:r>
-          </a:p>
-          <a:p>
-            <a:pPr marL="271463" lvl="1" indent="-271463">
-              <a:spcBef>
-                <a:spcPts val="1800"/>
-              </a:spcBef>
-              <a:buFontTx/>
-              <a:buChar char="•"/>
-            </a:pPr>
-            <a:r>
-              <a:rPr lang="da-DK" altLang="da-DK" sz="1800" b="1" spc="-40" dirty="0">
-                <a:solidFill>
-                  <a:srgbClr val="A50021"/>
-                </a:solidFill>
-              </a:rPr>
-              <a:t>Webboardet</a:t>
-            </a:r>
-          </a:p>
-          <a:p>
-            <a:pPr marL="742950" lvl="1" indent="-285750">
-              <a:spcBef>
-                <a:spcPts val="600"/>
-              </a:spcBef>
-              <a:buFontTx/>
-              <a:buChar char="–"/>
-            </a:pPr>
-            <a:r>
-              <a:rPr lang="da-DK" altLang="da-DK" sz="1600" dirty="0" smtClean="0"/>
-              <a:t>Husk at bruge webboardet – der får I hurtigt svar</a:t>
-            </a:r>
-          </a:p>
-          <a:p>
-            <a:pPr marL="742950" lvl="1" indent="-285750">
-              <a:spcBef>
-                <a:spcPts val="600"/>
-              </a:spcBef>
-              <a:buFontTx/>
-              <a:buChar char="–"/>
-            </a:pPr>
-            <a:r>
-              <a:rPr lang="da-DK" altLang="da-DK" sz="1600" dirty="0" smtClean="0"/>
-              <a:t>Vi vil nødigt have mails fra jer (med mindre det er om ting, der ikke vedrører andre)</a:t>
-            </a:r>
             <a:endParaRPr lang="da-DK" altLang="da-DK" sz="1600" dirty="0"/>
           </a:p>
         </p:txBody>
@@ -7382,7 +7630,7 @@
     </p:spTree>
     <p:extLst>
       <p:ext uri="{BB962C8B-B14F-4D97-AF65-F5344CB8AC3E}">
-        <p14:creationId xmlns:p14="http://schemas.microsoft.com/office/powerpoint/2010/main" val="1240138285"/>
+        <p14:creationId xmlns:p14="http://schemas.microsoft.com/office/powerpoint/2010/main" val="1889185276"/>
       </p:ext>
     </p:extLst>
   </p:cSld>
@@ -7427,7 +7675,7 @@
         <p:spPr bwMode="auto">
           <a:xfrm>
             <a:off x="459225" y="260349"/>
-            <a:ext cx="8793295" cy="682625"/>
+            <a:ext cx="8505263" cy="682625"/>
           </a:xfrm>
           <a:prstGeom prst="rect">
             <a:avLst/>
@@ -7600,7 +7848,7 @@
             <a:pPr marL="271463" indent="-271463"/>
             <a:r>
               <a:rPr lang="da-DK" altLang="da-DK" sz="2800" dirty="0" smtClean="0"/>
-              <a:t>Evaluering</a:t>
+              <a:t>Virtuel studiecafé</a:t>
             </a:r>
             <a:endParaRPr lang="da-DK" altLang="da-DK" sz="2800" dirty="0"/>
           </a:p>
@@ -7616,8 +7864,8 @@
         </p:nvSpPr>
         <p:spPr bwMode="auto">
           <a:xfrm>
-            <a:off x="459225" y="980728"/>
-            <a:ext cx="8352928" cy="5760640"/>
+            <a:off x="607400" y="1124744"/>
+            <a:ext cx="8496944" cy="5733256"/>
           </a:xfrm>
           <a:prstGeom prst="rect">
             <a:avLst/>
@@ -7788,14 +8036,146 @@
               <a:buChar char="•"/>
             </a:pPr>
             <a:r>
-              <a:rPr lang="da-DK" altLang="da-DK" sz="1800" b="1" spc="-40" dirty="0" smtClean="0">
+              <a:rPr lang="da-DK" sz="1800" b="1" spc="-40" dirty="0" smtClean="0">
                 <a:solidFill>
                   <a:srgbClr val="A50021"/>
                 </a:solidFill>
               </a:rPr>
-              <a:t>Opdeling af seminarerne</a:t>
-            </a:r>
-            <a:endParaRPr lang="da-DK" altLang="da-DK" sz="1600" dirty="0" smtClean="0"/>
+              <a:t>De </a:t>
+            </a:r>
+            <a:r>
+              <a:rPr lang="da-DK" sz="1800" b="1" spc="-40" dirty="0">
+                <a:solidFill>
+                  <a:srgbClr val="A50021"/>
+                </a:solidFill>
+              </a:rPr>
+              <a:t>fredage, hvor der ikke er heldagsseminarer vil der være en virtuel studiecafé, hvor I via Zoom kan få hjælp fra en af instruktorerne.</a:t>
+            </a:r>
+          </a:p>
+          <a:p>
+            <a:pPr marL="742950" lvl="1" indent="-285750">
+              <a:spcBef>
+                <a:spcPts val="600"/>
+              </a:spcBef>
+            </a:pPr>
+            <a:r>
+              <a:rPr lang="da-DK" sz="1600" dirty="0"/>
+              <a:t>I finder et link til det Zoom møderum, der bruges, ved at trykke på Zoom indgangen i den vanderette blå bjælke øverst på denne side. </a:t>
+            </a:r>
+          </a:p>
+          <a:p>
+            <a:pPr marL="742950" lvl="1" indent="-285750">
+              <a:spcBef>
+                <a:spcPts val="600"/>
+              </a:spcBef>
+            </a:pPr>
+            <a:r>
+              <a:rPr lang="da-DK" sz="1600" dirty="0"/>
+              <a:t>Læs også Brightspace siden Installation af Zoom under Info om kurset (inklusiv nyttige links).</a:t>
+            </a:r>
+          </a:p>
+          <a:p>
+            <a:pPr marL="742950" lvl="1" indent="-285750">
+              <a:spcBef>
+                <a:spcPts val="600"/>
+              </a:spcBef>
+            </a:pPr>
+            <a:r>
+              <a:rPr lang="da-DK" sz="1600" dirty="0"/>
+              <a:t>Bemærk, at I SKAL logge på AU’s Zoom installation, som beskrevet i vejledningens punkt 2. I skal altid logge ind ved at trykke på </a:t>
+            </a:r>
+            <a:r>
+              <a:rPr lang="da-DK" sz="1600" dirty="0" err="1"/>
+              <a:t>SSO</a:t>
+            </a:r>
+            <a:r>
+              <a:rPr lang="da-DK" sz="1600" dirty="0"/>
+              <a:t>-knappen.</a:t>
+            </a:r>
+          </a:p>
+          <a:p>
+            <a:pPr marL="742950" lvl="1" indent="-285750">
+              <a:spcBef>
+                <a:spcPts val="600"/>
+              </a:spcBef>
+            </a:pPr>
+            <a:r>
+              <a:rPr lang="da-DK" sz="1600" dirty="0"/>
+              <a:t>Man skal ikke tilmeldes. I dukker blot op på Zoom, hvis I ønsker at deltage.</a:t>
+            </a:r>
+          </a:p>
+          <a:p>
+            <a:pPr marL="742950" lvl="1" indent="-285750">
+              <a:spcBef>
+                <a:spcPts val="600"/>
+              </a:spcBef>
+            </a:pPr>
+            <a:r>
+              <a:rPr lang="da-DK" sz="1600" dirty="0"/>
+              <a:t>Kom så tidligt som </a:t>
+            </a:r>
+            <a:r>
+              <a:rPr lang="da-DK" sz="1600" dirty="0" smtClean="0"/>
+              <a:t>muligt. Instruktoren </a:t>
+            </a:r>
+            <a:r>
+              <a:rPr lang="da-DK" sz="1600" dirty="0"/>
+              <a:t>går, når der ikke er flere, der ønsker hjælp.</a:t>
+            </a:r>
+          </a:p>
+          <a:p>
+            <a:pPr marL="271463" lvl="1" indent="-271463">
+              <a:spcBef>
+                <a:spcPts val="1800"/>
+              </a:spcBef>
+              <a:buFontTx/>
+              <a:buChar char="•"/>
+            </a:pPr>
+            <a:r>
+              <a:rPr lang="da-DK" sz="1800" b="1" spc="-40" dirty="0">
+                <a:solidFill>
+                  <a:srgbClr val="A50021"/>
+                </a:solidFill>
+              </a:rPr>
+              <a:t>I kan også bruge Studiecaféen til at stille spørgsmål omkring:</a:t>
+            </a:r>
+          </a:p>
+          <a:p>
+            <a:pPr marL="742950" lvl="1" indent="-285750">
+              <a:spcBef>
+                <a:spcPts val="600"/>
+              </a:spcBef>
+            </a:pPr>
+            <a:r>
+              <a:rPr lang="da-DK" sz="1600" dirty="0"/>
+              <a:t>Jeres tidligere afleveringer (og instruktorens kommentarerne til dem),</a:t>
+            </a:r>
+          </a:p>
+          <a:p>
+            <a:pPr marL="742950" lvl="1" indent="-285750">
+              <a:spcBef>
+                <a:spcPts val="600"/>
+              </a:spcBef>
+            </a:pPr>
+            <a:r>
+              <a:rPr lang="da-DK" sz="1600" dirty="0"/>
+              <a:t>BlueJ bogen og mine slides,</a:t>
+            </a:r>
+          </a:p>
+          <a:p>
+            <a:pPr marL="742950" lvl="1" indent="-285750">
+              <a:spcBef>
+                <a:spcPts val="600"/>
+              </a:spcBef>
+            </a:pPr>
+            <a:r>
+              <a:rPr lang="da-DK" sz="1600" dirty="0" smtClean="0"/>
+              <a:t>alt </a:t>
+            </a:r>
+            <a:r>
+              <a:rPr lang="da-DK" sz="1600" dirty="0"/>
+              <a:t>andet, som I har problemer med.</a:t>
+            </a:r>
           </a:p>
           <a:p>
             <a:pPr marL="742950" lvl="1" indent="-285750">
@@ -7805,195 +8185,50 @@
               <a:buFontTx/>
               <a:buChar char="–"/>
             </a:pPr>
-            <a:r>
-              <a:rPr lang="da-DK" altLang="da-DK" sz="1600" dirty="0" smtClean="0"/>
-              <a:t>Hvis der er stemning for det, kan vi overveje om vi (da I alligevel ikke kan rejse til Århus)  vil dele de kommende seminarer over to halve dage, således at vi i stedet mødes hver fredag formiddag eller hver fredag formiddag</a:t>
-            </a:r>
-          </a:p>
-          <a:p>
-            <a:pPr marL="742950" lvl="1" indent="-285750">
-              <a:spcBef>
-                <a:spcPts val="600"/>
-              </a:spcBef>
-              <a:buFontTx/>
-              <a:buChar char="–"/>
-            </a:pPr>
-            <a:r>
-              <a:rPr lang="da-DK" altLang="da-DK" sz="1600" dirty="0" smtClean="0"/>
-              <a:t>Det vil nok være mindre anstrengende for jer</a:t>
-            </a:r>
-          </a:p>
-          <a:p>
-            <a:pPr marL="742950" lvl="1" indent="-285750">
-              <a:spcBef>
-                <a:spcPts val="600"/>
-              </a:spcBef>
-              <a:buFontTx/>
-              <a:buChar char="–"/>
-            </a:pPr>
-            <a:r>
-              <a:rPr lang="da-DK" altLang="da-DK" sz="1600" dirty="0"/>
-              <a:t>M</a:t>
-            </a:r>
-            <a:r>
-              <a:rPr lang="da-DK" altLang="da-DK" sz="1600" dirty="0" smtClean="0"/>
-              <a:t>en kan det passes ind i forhold til de aftaler, som i har med jeres gymnasium</a:t>
-            </a:r>
-          </a:p>
-          <a:p>
-            <a:pPr marL="742950" lvl="1" indent="-285750">
-              <a:spcBef>
-                <a:spcPts val="600"/>
-              </a:spcBef>
-              <a:buFontTx/>
-              <a:buChar char="–"/>
-            </a:pPr>
-            <a:r>
-              <a:rPr lang="da-DK" altLang="da-DK" sz="1600" dirty="0" smtClean="0"/>
-              <a:t>Umiddelbare kommentarer er velkomne – men ellers starter jeg en tråd inde på forummet ”Opstart &amp; praktiske ting” , hvor vi kan diskutere videre</a:t>
-            </a:r>
-          </a:p>
-          <a:p>
-            <a:pPr marL="271463" lvl="1" indent="-271463">
-              <a:spcBef>
-                <a:spcPts val="1800"/>
-              </a:spcBef>
-              <a:buFontTx/>
-              <a:buChar char="•"/>
-            </a:pPr>
-            <a:r>
-              <a:rPr lang="da-DK" altLang="da-DK" sz="1800" b="1" spc="-40" dirty="0">
-                <a:solidFill>
-                  <a:srgbClr val="A50021"/>
-                </a:solidFill>
-              </a:rPr>
-              <a:t>Er der nogen der har forslag til forbedringer af den måde vi afvikler seminarerne </a:t>
-            </a:r>
-            <a:r>
-              <a:rPr lang="da-DK" altLang="da-DK" sz="1800" b="1" spc="-40" dirty="0" smtClean="0">
-                <a:solidFill>
-                  <a:srgbClr val="A50021"/>
-                </a:solidFill>
-              </a:rPr>
-              <a:t>på</a:t>
-            </a:r>
-          </a:p>
-          <a:p>
-            <a:pPr marL="742950" lvl="1" indent="-285750">
-              <a:spcBef>
-                <a:spcPts val="600"/>
-              </a:spcBef>
-            </a:pPr>
-            <a:r>
-              <a:rPr lang="da-DK" altLang="da-DK" sz="1600" dirty="0"/>
-              <a:t>Indhold</a:t>
-            </a:r>
-          </a:p>
-          <a:p>
-            <a:pPr marL="742950" lvl="1" indent="-285750">
-              <a:spcBef>
-                <a:spcPts val="600"/>
-              </a:spcBef>
-            </a:pPr>
-            <a:r>
-              <a:rPr lang="da-DK" altLang="da-DK" sz="1600" dirty="0"/>
-              <a:t>Teknisk </a:t>
-            </a:r>
-            <a:r>
-              <a:rPr lang="da-DK" altLang="da-DK" sz="1600" dirty="0" smtClean="0"/>
-              <a:t>aflevering (Google Docs bruges idet Zooms hjælpefacilitet kun kan ses af hosten og ikke af </a:t>
-            </a:r>
-            <a:r>
-              <a:rPr lang="da-DK" altLang="da-DK" sz="1600" dirty="0" err="1" smtClean="0"/>
-              <a:t>co</a:t>
-            </a:r>
-            <a:r>
-              <a:rPr lang="da-DK" altLang="da-DK" sz="1600" dirty="0" smtClean="0"/>
-              <a:t>-hosts (instruktorerne)</a:t>
-            </a:r>
-          </a:p>
-          <a:p>
-            <a:pPr marL="742950" lvl="1" indent="-285750">
-              <a:spcBef>
-                <a:spcPts val="600"/>
-              </a:spcBef>
-            </a:pPr>
-            <a:r>
-              <a:rPr lang="da-DK" altLang="da-DK" sz="1600" dirty="0"/>
-              <a:t>Umiddelbare kommentarer er velkomne – men ellers starter jeg en tråd inde på forummet ”Opstart &amp; praktiske ting” , hvor vi kan diskutere </a:t>
-            </a:r>
-            <a:r>
-              <a:rPr lang="da-DK" altLang="da-DK" sz="1600" dirty="0" smtClean="0"/>
-              <a:t>videre</a:t>
-            </a:r>
-          </a:p>
-          <a:p>
-            <a:pPr marL="271463" lvl="1" indent="-271463">
-              <a:spcBef>
-                <a:spcPts val="1800"/>
-              </a:spcBef>
-              <a:buFontTx/>
-              <a:buChar char="•"/>
-            </a:pPr>
-            <a:r>
-              <a:rPr lang="da-DK" altLang="da-DK" sz="1800" b="1" spc="-40" dirty="0">
-                <a:solidFill>
-                  <a:srgbClr val="A50021"/>
-                </a:solidFill>
-              </a:rPr>
-              <a:t>Hvis I ønsker det kan, I arbejde sammen </a:t>
-            </a:r>
-            <a:r>
-              <a:rPr lang="da-DK" altLang="da-DK" sz="1800" b="1" spc="-40" dirty="0" smtClean="0">
-                <a:solidFill>
-                  <a:srgbClr val="A50021"/>
-                </a:solidFill>
-              </a:rPr>
-              <a:t>med jer makker via </a:t>
-            </a:r>
-            <a:r>
-              <a:rPr lang="da-DK" altLang="da-DK" sz="1800" b="1" spc="-40" dirty="0">
-                <a:solidFill>
-                  <a:srgbClr val="A50021"/>
-                </a:solidFill>
-              </a:rPr>
-              <a:t>Zoom</a:t>
-            </a:r>
-          </a:p>
-          <a:p>
-            <a:pPr marL="742950" lvl="1" indent="-285750">
-              <a:spcBef>
-                <a:spcPts val="600"/>
-              </a:spcBef>
-            </a:pPr>
-            <a:r>
-              <a:rPr lang="da-DK" altLang="da-DK" sz="1600" dirty="0"/>
-              <a:t>I det dokument, der er på siden ”Brug af Zoom” er det forklaret hvordan man selv laver et møde</a:t>
-            </a:r>
-          </a:p>
-          <a:p>
-            <a:pPr marL="742950" lvl="1" indent="-285750">
-              <a:spcBef>
-                <a:spcPts val="600"/>
-              </a:spcBef>
-            </a:pPr>
             <a:endParaRPr lang="da-DK" altLang="da-DK" sz="1600" dirty="0"/>
-          </a:p>
-          <a:p>
-            <a:pPr marL="742950" lvl="1" indent="-285750">
-              <a:spcBef>
-                <a:spcPts val="600"/>
-              </a:spcBef>
-              <a:buFontTx/>
-              <a:buChar char="–"/>
-            </a:pPr>
-            <a:endParaRPr lang="da-DK" altLang="da-DK" sz="1600" dirty="0" smtClean="0"/>
           </a:p>
         </p:txBody>
       </p:sp>
+    </p:spTree>
+    <p:extLst>
+      <p:ext uri="{BB962C8B-B14F-4D97-AF65-F5344CB8AC3E}">
+        <p14:creationId xmlns:p14="http://schemas.microsoft.com/office/powerpoint/2010/main" val="198881662"/>
+      </p:ext>
+    </p:extLst>
+  </p:cSld>
+  <p:clrMapOvr>
+    <a:masterClrMapping/>
+  </p:clrMapOvr>
+  <p:timing>
+    <p:tnLst>
+      <p:par>
+        <p:cTn id="1" dur="indefinite" restart="never" nodeType="tmRoot"/>
+      </p:par>
+    </p:tnLst>
+  </p:timing>
+</p:sld>
+</file>
+
+<file path=ppt/slides/slide12.xml><?xml version="1.0" encoding="utf-8"?>
+<p:sld xmlns:a="http://schemas.openxmlformats.org/drawingml/2006/main" xmlns:r="http://schemas.openxmlformats.org/officeDocument/2006/relationships" xmlns:p="http://schemas.openxmlformats.org/presentationml/2006/main">
+  <p:cSld>
+    <p:spTree>
+      <p:nvGrpSpPr>
+        <p:cNvPr id="1" name=""/>
+        <p:cNvGrpSpPr/>
+        <p:nvPr/>
+      </p:nvGrpSpPr>
+      <p:grpSpPr>
+        <a:xfrm>
+          <a:off x="0" y="0"/>
+          <a:ext cx="0" cy="0"/>
+          <a:chOff x="0" y="0"/>
+          <a:chExt cx="0" cy="0"/>
+        </a:xfrm>
+      </p:grpSpPr>
       <p:sp>
         <p:nvSpPr>
-          <p:cNvPr id="6" name="Content Placeholder 2"/>
+          <p:cNvPr id="4" name="Title 1"/>
           <p:cNvSpPr txBox="1">
             <a:spLocks/>
           </p:cNvSpPr>
@@ -8001,8 +8236,8 @@
         </p:nvSpPr>
         <p:spPr bwMode="auto">
           <a:xfrm>
-            <a:off x="679408" y="2348880"/>
-            <a:ext cx="8352928" cy="1008112"/>
+            <a:off x="459225" y="260349"/>
+            <a:ext cx="8577271" cy="682625"/>
           </a:xfrm>
           <a:prstGeom prst="rect">
             <a:avLst/>
@@ -8032,6 +8267,196 @@
           </a:extLst>
         </p:spPr>
         <p:txBody>
+          <a:bodyPr anchor="ctr"/>
+          <a:lstStyle>
+            <a:lvl1pPr algn="l" rtl="0" eaLnBrk="0" fontAlgn="base" hangingPunct="0">
+              <a:spcBef>
+                <a:spcPct val="0"/>
+              </a:spcBef>
+              <a:spcAft>
+                <a:spcPct val="0"/>
+              </a:spcAft>
+              <a:defRPr sz="3600" b="1">
+                <a:solidFill>
+                  <a:srgbClr val="000066"/>
+                </a:solidFill>
+                <a:latin typeface="+mj-lt"/>
+                <a:ea typeface="ＭＳ Ｐゴシック" pitchFamily="-107" charset="-128"/>
+                <a:cs typeface="ＭＳ Ｐゴシック" pitchFamily="-107" charset="-128"/>
+              </a:defRPr>
+            </a:lvl1pPr>
+            <a:lvl2pPr algn="l" rtl="0" eaLnBrk="0" fontAlgn="base" hangingPunct="0">
+              <a:spcBef>
+                <a:spcPct val="0"/>
+              </a:spcBef>
+              <a:spcAft>
+                <a:spcPct val="0"/>
+              </a:spcAft>
+              <a:defRPr sz="3600" b="1">
+                <a:solidFill>
+                  <a:srgbClr val="000066"/>
+                </a:solidFill>
+                <a:latin typeface="Arial" charset="0"/>
+                <a:ea typeface="ＭＳ Ｐゴシック" pitchFamily="-107" charset="-128"/>
+                <a:cs typeface="ＭＳ Ｐゴシック" pitchFamily="-107" charset="-128"/>
+              </a:defRPr>
+            </a:lvl2pPr>
+            <a:lvl3pPr algn="l" rtl="0" eaLnBrk="0" fontAlgn="base" hangingPunct="0">
+              <a:spcBef>
+                <a:spcPct val="0"/>
+              </a:spcBef>
+              <a:spcAft>
+                <a:spcPct val="0"/>
+              </a:spcAft>
+              <a:defRPr sz="3600" b="1">
+                <a:solidFill>
+                  <a:srgbClr val="000066"/>
+                </a:solidFill>
+                <a:latin typeface="Arial" charset="0"/>
+                <a:ea typeface="ＭＳ Ｐゴシック" pitchFamily="-107" charset="-128"/>
+                <a:cs typeface="ＭＳ Ｐゴシック" pitchFamily="-107" charset="-128"/>
+              </a:defRPr>
+            </a:lvl3pPr>
+            <a:lvl4pPr algn="l" rtl="0" eaLnBrk="0" fontAlgn="base" hangingPunct="0">
+              <a:spcBef>
+                <a:spcPct val="0"/>
+              </a:spcBef>
+              <a:spcAft>
+                <a:spcPct val="0"/>
+              </a:spcAft>
+              <a:defRPr sz="3600" b="1">
+                <a:solidFill>
+                  <a:srgbClr val="000066"/>
+                </a:solidFill>
+                <a:latin typeface="Arial" charset="0"/>
+                <a:ea typeface="ＭＳ Ｐゴシック" pitchFamily="-107" charset="-128"/>
+                <a:cs typeface="ＭＳ Ｐゴシック" pitchFamily="-107" charset="-128"/>
+              </a:defRPr>
+            </a:lvl4pPr>
+            <a:lvl5pPr algn="l" rtl="0" eaLnBrk="0" fontAlgn="base" hangingPunct="0">
+              <a:spcBef>
+                <a:spcPct val="0"/>
+              </a:spcBef>
+              <a:spcAft>
+                <a:spcPct val="0"/>
+              </a:spcAft>
+              <a:defRPr sz="3600" b="1">
+                <a:solidFill>
+                  <a:srgbClr val="000066"/>
+                </a:solidFill>
+                <a:latin typeface="Arial" charset="0"/>
+                <a:ea typeface="ＭＳ Ｐゴシック" pitchFamily="-107" charset="-128"/>
+                <a:cs typeface="ＭＳ Ｐゴシック" pitchFamily="-107" charset="-128"/>
+              </a:defRPr>
+            </a:lvl5pPr>
+            <a:lvl6pPr marL="457200" algn="l" rtl="0" fontAlgn="base">
+              <a:spcBef>
+                <a:spcPct val="0"/>
+              </a:spcBef>
+              <a:spcAft>
+                <a:spcPct val="0"/>
+              </a:spcAft>
+              <a:defRPr sz="3600" b="1">
+                <a:solidFill>
+                  <a:srgbClr val="000066"/>
+                </a:solidFill>
+                <a:latin typeface="Arial" charset="0"/>
+              </a:defRPr>
+            </a:lvl6pPr>
+            <a:lvl7pPr marL="914400" algn="l" rtl="0" fontAlgn="base">
+              <a:spcBef>
+                <a:spcPct val="0"/>
+              </a:spcBef>
+              <a:spcAft>
+                <a:spcPct val="0"/>
+              </a:spcAft>
+              <a:defRPr sz="3600" b="1">
+                <a:solidFill>
+                  <a:srgbClr val="000066"/>
+                </a:solidFill>
+                <a:latin typeface="Arial" charset="0"/>
+              </a:defRPr>
+            </a:lvl7pPr>
+            <a:lvl8pPr marL="1371600" algn="l" rtl="0" fontAlgn="base">
+              <a:spcBef>
+                <a:spcPct val="0"/>
+              </a:spcBef>
+              <a:spcAft>
+                <a:spcPct val="0"/>
+              </a:spcAft>
+              <a:defRPr sz="3600" b="1">
+                <a:solidFill>
+                  <a:srgbClr val="000066"/>
+                </a:solidFill>
+                <a:latin typeface="Arial" charset="0"/>
+              </a:defRPr>
+            </a:lvl8pPr>
+            <a:lvl9pPr marL="1828800" algn="l" rtl="0" fontAlgn="base">
+              <a:spcBef>
+                <a:spcPct val="0"/>
+              </a:spcBef>
+              <a:spcAft>
+                <a:spcPct val="0"/>
+              </a:spcAft>
+              <a:defRPr sz="3600" b="1">
+                <a:solidFill>
+                  <a:srgbClr val="000066"/>
+                </a:solidFill>
+                <a:latin typeface="Arial" charset="0"/>
+              </a:defRPr>
+            </a:lvl9pPr>
+          </a:lstStyle>
+          <a:p>
+            <a:pPr marL="271463" indent="-271463"/>
+            <a:r>
+              <a:rPr lang="da-DK" altLang="da-DK" sz="2800" dirty="0" smtClean="0"/>
+              <a:t>Evaluering af dagens seminar</a:t>
+            </a:r>
+            <a:endParaRPr lang="da-DK" altLang="da-DK" sz="2800" dirty="0"/>
+          </a:p>
+        </p:txBody>
+      </p:sp>
+      <p:sp>
+        <p:nvSpPr>
+          <p:cNvPr id="5" name="Content Placeholder 2"/>
+          <p:cNvSpPr txBox="1">
+            <a:spLocks/>
+          </p:cNvSpPr>
+          <p:nvPr/>
+        </p:nvSpPr>
+        <p:spPr bwMode="auto">
+          <a:xfrm>
+            <a:off x="459225" y="1052736"/>
+            <a:ext cx="8352928" cy="2160240"/>
+          </a:xfrm>
+          <a:prstGeom prst="rect">
+            <a:avLst/>
+          </a:prstGeom>
+          <a:noFill/>
+          <a:ln>
+            <a:noFill/>
+          </a:ln>
+          <a:extLst>
+            <a:ext uri="{909E8E84-426E-40DD-AFC4-6F175D3DCCD1}">
+              <a14:hiddenFill xmlns:a14="http://schemas.microsoft.com/office/drawing/2010/main">
+                <a:solidFill>
+                  <a:srgbClr val="FFFFFF"/>
+                </a:solidFill>
+              </a14:hiddenFill>
+            </a:ext>
+            <a:ext uri="{91240B29-F687-4F45-9708-019B960494DF}">
+              <a14:hiddenLine xmlns:a14="http://schemas.microsoft.com/office/drawing/2010/main" w="9525">
+                <a:solidFill>
+                  <a:srgbClr val="000000"/>
+                </a:solidFill>
+                <a:miter lim="800000"/>
+                <a:headEnd/>
+                <a:tailEnd/>
+              </a14:hiddenLine>
+            </a:ext>
+          </a:extLst>
+        </p:spPr>
+        <p:txBody>
           <a:bodyPr/>
           <a:lstStyle>
             <a:lvl1pPr eaLnBrk="0" hangingPunct="0">
@@ -8172,14 +8597,114 @@
               <a:buFontTx/>
               <a:buChar char="•"/>
             </a:pPr>
+            <a:r>
+              <a:rPr lang="da-DK" altLang="da-DK" sz="1800" b="1" spc="-40" dirty="0" smtClean="0">
+                <a:solidFill>
+                  <a:srgbClr val="A50021"/>
+                </a:solidFill>
+              </a:rPr>
+              <a:t>Er </a:t>
+            </a:r>
+            <a:r>
+              <a:rPr lang="da-DK" altLang="da-DK" sz="1800" b="1" spc="-40" dirty="0">
+                <a:solidFill>
+                  <a:srgbClr val="A50021"/>
+                </a:solidFill>
+              </a:rPr>
+              <a:t>der nogen der har forslag til forbedringer af den </a:t>
+            </a:r>
+            <a:r>
+              <a:rPr lang="da-DK" altLang="da-DK" sz="1800" b="1" spc="-40" dirty="0" smtClean="0">
+                <a:solidFill>
+                  <a:srgbClr val="A50021"/>
+                </a:solidFill>
+              </a:rPr>
+              <a:t>måde, som </a:t>
+            </a:r>
+            <a:r>
+              <a:rPr lang="da-DK" altLang="da-DK" sz="1800" b="1" spc="-40" dirty="0">
+                <a:solidFill>
+                  <a:srgbClr val="A50021"/>
+                </a:solidFill>
+              </a:rPr>
+              <a:t>vi afvikler seminarerne </a:t>
+            </a:r>
+            <a:r>
+              <a:rPr lang="da-DK" altLang="da-DK" sz="1800" b="1" spc="-40" dirty="0" smtClean="0">
+                <a:solidFill>
+                  <a:srgbClr val="A50021"/>
+                </a:solidFill>
+              </a:rPr>
+              <a:t>på?</a:t>
+            </a:r>
+          </a:p>
+          <a:p>
+            <a:pPr marL="742950" lvl="1" indent="-285750">
+              <a:spcBef>
+                <a:spcPts val="600"/>
+              </a:spcBef>
+            </a:pPr>
+            <a:r>
+              <a:rPr lang="da-DK" altLang="da-DK" sz="1600" dirty="0" smtClean="0"/>
+              <a:t>Indhold, hastighed, teknisk afvikling, andet?</a:t>
+            </a:r>
+          </a:p>
+          <a:p>
+            <a:pPr marL="742950" lvl="1" indent="-285750">
+              <a:spcBef>
+                <a:spcPts val="600"/>
+              </a:spcBef>
+            </a:pPr>
+            <a:r>
+              <a:rPr lang="da-DK" altLang="da-DK" sz="1600" dirty="0"/>
+              <a:t>Umiddelbare kommentarer er velkomne – men ellers </a:t>
+            </a:r>
+            <a:r>
+              <a:rPr lang="da-DK" altLang="da-DK" sz="1600" dirty="0" smtClean="0"/>
+              <a:t>skriv på diskussionsforummet, hvis I har ønsker til ændringer/forbedringer</a:t>
+            </a:r>
+          </a:p>
+          <a:p>
+            <a:pPr lvl="1">
+              <a:spcBef>
+                <a:spcPts val="600"/>
+              </a:spcBef>
+              <a:buNone/>
+            </a:pPr>
+            <a:endParaRPr lang="da-DK" altLang="da-DK" sz="1600" dirty="0" smtClean="0"/>
+          </a:p>
+          <a:p>
+            <a:pPr marL="742950" lvl="1" indent="-285750">
+              <a:spcBef>
+                <a:spcPts val="600"/>
+              </a:spcBef>
+            </a:pPr>
             <a:endParaRPr lang="da-DK" altLang="da-DK" sz="1600" dirty="0"/>
+          </a:p>
+          <a:p>
+            <a:pPr marL="742950" lvl="1" indent="-285750">
+              <a:spcBef>
+                <a:spcPts val="600"/>
+              </a:spcBef>
+            </a:pPr>
+            <a:endParaRPr lang="da-DK" altLang="da-DK" sz="1600" dirty="0"/>
+          </a:p>
+          <a:p>
+            <a:pPr marL="742950" lvl="1" indent="-285750">
+              <a:spcBef>
+                <a:spcPts val="600"/>
+              </a:spcBef>
+              <a:buFontTx/>
+              <a:buChar char="–"/>
+            </a:pPr>
+            <a:endParaRPr lang="da-DK" altLang="da-DK" sz="1600" dirty="0" smtClean="0"/>
           </a:p>
         </p:txBody>
       </p:sp>
     </p:spTree>
     <p:extLst>
       <p:ext uri="{BB962C8B-B14F-4D97-AF65-F5344CB8AC3E}">
-        <p14:creationId xmlns:p14="http://schemas.microsoft.com/office/powerpoint/2010/main" val="1289108105"/>
+        <p14:creationId xmlns:p14="http://schemas.microsoft.com/office/powerpoint/2010/main" val="4014854124"/>
       </p:ext>
     </p:extLst>
   </p:cSld>
@@ -8224,7 +8749,7 @@
         <p:spPr bwMode="auto">
           <a:xfrm>
             <a:off x="459225" y="260349"/>
-            <a:ext cx="8793295" cy="682625"/>
+            <a:ext cx="8577271" cy="682625"/>
           </a:xfrm>
           <a:prstGeom prst="rect">
             <a:avLst/>
@@ -8739,23 +9264,7 @@
                   <a:srgbClr val="A50021"/>
                 </a:solidFill>
               </a:rPr>
-              <a:t> kursus er </a:t>
-            </a:r>
-            <a:r>
-              <a:rPr lang="da-DK" altLang="da-DK" sz="1800" b="1" dirty="0" smtClean="0">
-                <a:solidFill>
-                  <a:srgbClr val="A50021"/>
-                </a:solidFill>
-              </a:rPr>
-              <a:t>250 </a:t>
-            </a:r>
-            <a:r>
-              <a:rPr lang="da-DK" altLang="da-DK" sz="1800" b="1" dirty="0" smtClean="0">
-                <a:solidFill>
-                  <a:srgbClr val="A50021"/>
-                </a:solidFill>
-              </a:rPr>
-              <a:t>timer</a:t>
+              <a:t> kursus er 250 timer</a:t>
             </a:r>
           </a:p>
           <a:p>
@@ -8777,15 +9286,7 @@
             </a:pPr>
             <a:r>
               <a:rPr lang="da-DK" altLang="da-DK" sz="1600" dirty="0" smtClean="0"/>
-              <a:t>Vores bachelorstuderende bruger i gennemsnit ca. </a:t>
-            </a:r>
-            <a:r>
-              <a:rPr lang="da-DK" altLang="da-DK" sz="1600" dirty="0" smtClean="0"/>
-              <a:t>225 </a:t>
-            </a:r>
-            <a:r>
-              <a:rPr lang="da-DK" altLang="da-DK" sz="1600" dirty="0" smtClean="0"/>
-              <a:t>(idet mange af dem har en del programmeringserfaring i forvejen)</a:t>
+              <a:t>Vores bachelorstuderende bruger i gennemsnit ca. 225 (idet mange af dem har en del programmeringserfaring i forvejen)</a:t>
             </a:r>
           </a:p>
           <a:p>
@@ -8872,7 +9373,7 @@
         <p:spPr bwMode="auto">
           <a:xfrm>
             <a:off x="459225" y="260349"/>
-            <a:ext cx="8793295" cy="682625"/>
+            <a:ext cx="8577271" cy="682625"/>
           </a:xfrm>
           <a:prstGeom prst="rect">
             <a:avLst/>
@@ -9452,7 +9953,7 @@
         <p:spPr bwMode="auto">
           <a:xfrm>
             <a:off x="459225" y="260349"/>
-            <a:ext cx="8793295" cy="682625"/>
+            <a:ext cx="8649279" cy="682625"/>
           </a:xfrm>
           <a:prstGeom prst="rect">
             <a:avLst/>
@@ -9818,7 +10319,7 @@
                   <a:srgbClr val="A50021"/>
                 </a:solidFill>
               </a:rPr>
-              <a:t>Jeg har stor erfaring med at bruge Zoom til at optage mine forelæsninger, men har aldrig brugt det ved heldagsseminarer og ved øvelser</a:t>
+              <a:t>Om et øjeblik begynder jeg på den første forelæsning</a:t>
             </a:r>
           </a:p>
           <a:p>
@@ -9826,10 +10327,12 @@
               <a:spcBef>
                 <a:spcPts val="600"/>
               </a:spcBef>
+              <a:buFontTx/>
+              <a:buChar char="–"/>
             </a:pPr>
             <a:r>
               <a:rPr lang="da-DK" altLang="da-DK" sz="1600" dirty="0" smtClean="0"/>
-              <a:t>Det betyder, at vi må prøve os lidt frem og se, hvordan vi bedst griber det an</a:t>
+              <a:t>Alle forelæsninger optages via Zoom og publiceres på kursets Brightspace side, således at I senere kan gense dem, hvis der er behov for det</a:t>
             </a:r>
           </a:p>
           <a:p>
@@ -9839,8 +10342,33 @@
               </a:spcBef>
             </a:pPr>
             <a:r>
+              <a:rPr lang="da-DK" altLang="da-DK" sz="1600" dirty="0"/>
+              <a:t>Jeg foreslår, at I slår jeres video og lyd fra under forelæsningen</a:t>
+            </a:r>
+          </a:p>
+          <a:p>
+            <a:pPr marL="742950" lvl="1" indent="-285750">
+              <a:spcBef>
+                <a:spcPts val="600"/>
+              </a:spcBef>
+              <a:buFontTx/>
+              <a:buChar char="–"/>
+            </a:pPr>
+            <a:r>
               <a:rPr lang="da-DK" altLang="da-DK" sz="1600" dirty="0" smtClean="0"/>
-              <a:t>Heldigvis har vi forholdsvis god tid ved dette første seminar</a:t>
+              <a:t>Under forelæsningen kan I </a:t>
+            </a:r>
+            <a:r>
+              <a:rPr lang="da-DK" altLang="da-DK" sz="1600" b="1" dirty="0" smtClean="0">
+                <a:solidFill>
+                  <a:srgbClr val="008000"/>
+                </a:solidFill>
+              </a:rPr>
+              <a:t>ikke</a:t>
+            </a:r>
+            <a:r>
+              <a:rPr lang="da-DK" altLang="da-DK" sz="1600" dirty="0" smtClean="0"/>
+              <a:t> forvente, at jeg læser eventuelle indlæg på chatten i Zoom (men I må meget gerne kommunikere med hinanden på den)</a:t>
             </a:r>
           </a:p>
           <a:p>
@@ -9852,67 +10380,20 @@
               <a:buChar char="•"/>
             </a:pPr>
             <a:r>
-              <a:rPr lang="da-DK" altLang="da-DK" sz="1800" b="1" spc="-40" dirty="0" smtClean="0">
+              <a:rPr lang="da-DK" altLang="da-DK" sz="1800" b="1" spc="-80" dirty="0" smtClean="0">
                 <a:solidFill>
                   <a:srgbClr val="A50021"/>
                 </a:solidFill>
               </a:rPr>
-              <a:t>Om et øjeblik begynder jeg på den første forelæsning</a:t>
-            </a:r>
-          </a:p>
-          <a:p>
-            <a:pPr marL="742950" lvl="1" indent="-285750">
-              <a:spcBef>
-                <a:spcPts val="600"/>
-              </a:spcBef>
-              <a:buFontTx/>
-              <a:buChar char="–"/>
-            </a:pPr>
-            <a:r>
-              <a:rPr lang="da-DK" altLang="da-DK" sz="1600" dirty="0" smtClean="0"/>
-              <a:t>Alle forelæsninger optages via Zoom og publiceres på kursets Blackboard side, således at I senere kan gense dem, hvis der er behov for det</a:t>
-            </a:r>
-          </a:p>
-          <a:p>
-            <a:pPr marL="742950" lvl="1" indent="-285750">
-              <a:spcBef>
-                <a:spcPts val="600"/>
-              </a:spcBef>
-              <a:buFontTx/>
-              <a:buChar char="–"/>
-            </a:pPr>
-            <a:r>
-              <a:rPr lang="da-DK" altLang="da-DK" sz="1600" dirty="0" smtClean="0"/>
-              <a:t>Under forelæsningen kan I </a:t>
-            </a:r>
-            <a:r>
-              <a:rPr lang="da-DK" altLang="da-DK" sz="1600" b="1" dirty="0" smtClean="0">
-                <a:solidFill>
-                  <a:srgbClr val="008000"/>
+              <a:t>Hvis </a:t>
+            </a:r>
+            <a:r>
+              <a:rPr lang="da-DK" altLang="da-DK" sz="1800" b="1" spc="-80" dirty="0">
+                <a:solidFill>
+                  <a:srgbClr val="A50021"/>
                 </a:solidFill>
               </a:rPr>
-              <a:t>ikke</a:t>
-            </a:r>
-            <a:r>
-              <a:rPr lang="da-DK" altLang="da-DK" sz="1600" dirty="0" smtClean="0"/>
-              <a:t> forvente, at jeg læser eventuelle indlæg på chatten i Zoom</a:t>
-            </a:r>
-          </a:p>
-          <a:p>
-            <a:pPr marL="271463" lvl="1" indent="-271463">
-              <a:spcBef>
-                <a:spcPts val="1800"/>
-              </a:spcBef>
-              <a:buFontTx/>
-              <a:buChar char="•"/>
-            </a:pPr>
-            <a:r>
-              <a:rPr lang="da-DK" altLang="da-DK" sz="1800" b="1" spc="-80" dirty="0">
-                <a:solidFill>
-                  <a:srgbClr val="A50021"/>
-                </a:solidFill>
-              </a:rPr>
-              <a:t>Hvis I har </a:t>
+              <a:t>I har </a:t>
             </a:r>
             <a:r>
               <a:rPr lang="da-DK" altLang="da-DK" sz="1800" b="1" spc="-80" dirty="0" smtClean="0">
@@ -9987,7 +10468,7 @@
         </p:nvSpPr>
         <p:spPr>
           <a:xfrm rot="21165640">
-            <a:off x="5654202" y="5509399"/>
+            <a:off x="4901262" y="5289770"/>
             <a:ext cx="3280124" cy="523220"/>
           </a:xfrm>
           <a:prstGeom prst="rect">
@@ -10058,7 +10539,7 @@
         </p:nvSpPr>
         <p:spPr>
           <a:xfrm rot="21165640">
-            <a:off x="5664471" y="6130194"/>
+            <a:off x="5023941" y="5865835"/>
             <a:ext cx="3280124" cy="523220"/>
           </a:xfrm>
           <a:prstGeom prst="rect">
@@ -10264,7 +10745,7 @@
         <p:spPr bwMode="auto">
           <a:xfrm>
             <a:off x="459225" y="260349"/>
-            <a:ext cx="8793295" cy="682625"/>
+            <a:ext cx="8577271" cy="682625"/>
           </a:xfrm>
           <a:prstGeom prst="rect">
             <a:avLst/>
@@ -10669,7 +11150,7 @@
             </a:pPr>
             <a:r>
               <a:rPr lang="da-DK" altLang="da-DK" sz="1600" dirty="0" smtClean="0"/>
-              <a:t>Hvor meget programmeringserfaring i har (meget / middel / lidt / intet)</a:t>
+              <a:t>Hvor meget programmeringserfaring I har (meget / middel / lidt / intet)</a:t>
             </a:r>
           </a:p>
           <a:p>
@@ -10736,7 +11217,7 @@
         <p:spPr bwMode="auto">
           <a:xfrm>
             <a:off x="459225" y="260349"/>
-            <a:ext cx="8793295" cy="682625"/>
+            <a:ext cx="8577271" cy="682625"/>
           </a:xfrm>
           <a:prstGeom prst="rect">
             <a:avLst/>
@@ -11154,35 +11635,6 @@
             <a:r>
               <a:rPr lang="da-DK" altLang="da-DK" sz="1600" dirty="0" smtClean="0"/>
               <a:t>Svare på eventuelle spørgsmål, som I måtte have</a:t>
-            </a:r>
-          </a:p>
-          <a:p>
-            <a:pPr marL="742950" lvl="1" indent="-285750">
-              <a:spcBef>
-                <a:spcPts val="600"/>
-              </a:spcBef>
-              <a:buFontTx/>
-              <a:buChar char="–"/>
-            </a:pPr>
-            <a:r>
-              <a:rPr lang="da-DK" altLang="da-DK" sz="1600" dirty="0" smtClean="0"/>
-              <a:t>Undervejs vil I også lære at bruge de såkaldte ”</a:t>
-            </a:r>
-            <a:r>
-              <a:rPr lang="da-DK" altLang="da-DK" sz="1600" dirty="0" err="1" smtClean="0"/>
-              <a:t>breakout</a:t>
-            </a:r>
-            <a:r>
-              <a:rPr lang="da-DK" altLang="da-DK" sz="1600" dirty="0" smtClean="0"/>
-              <a:t> </a:t>
-            </a:r>
-            <a:r>
-              <a:rPr lang="da-DK" altLang="da-DK" sz="1600" dirty="0" err="1" smtClean="0"/>
-              <a:t>rooms</a:t>
-            </a:r>
-            <a:r>
-              <a:rPr lang="da-DK" altLang="da-DK" sz="1600" dirty="0" smtClean="0"/>
-              <a:t>” i Zoom</a:t>
             </a:r>
           </a:p>
         </p:txBody>
@@ -11235,7 +11687,7 @@
         <p:spPr bwMode="auto">
           <a:xfrm>
             <a:off x="459225" y="260349"/>
-            <a:ext cx="8793295" cy="682625"/>
+            <a:ext cx="8505263" cy="682625"/>
           </a:xfrm>
           <a:prstGeom prst="rect">
             <a:avLst/>
@@ -11408,7 +11860,7 @@
             <a:pPr marL="271463" indent="-271463"/>
             <a:r>
               <a:rPr lang="da-DK" altLang="da-DK" sz="2800" dirty="0" smtClean="0"/>
-              <a:t>Organisering af øvelserne</a:t>
+              <a:t>Brug af Zoom</a:t>
             </a:r>
             <a:endParaRPr lang="da-DK" altLang="da-DK" sz="2800" dirty="0"/>
           </a:p>
@@ -11643,15 +12095,15 @@
               </a:spcBef>
             </a:pPr>
             <a:r>
-              <a:rPr lang="da-DK" altLang="da-DK" sz="1600" dirty="0" smtClean="0"/>
+              <a:rPr lang="da-DK" altLang="da-DK" sz="1600" dirty="0"/>
               <a:t>I skal så, hver især gå ind i det rum, der har samme nummer som jeres programmeringspar, (f.eks. skal deltagerne i Par 7 gå ind i </a:t>
             </a:r>
             <a:r>
-              <a:rPr lang="da-DK" altLang="da-DK" sz="1600" dirty="0" err="1" smtClean="0"/>
+              <a:rPr lang="da-DK" altLang="da-DK" sz="1600" dirty="0" err="1"/>
               <a:t>Room</a:t>
             </a:r>
             <a:r>
-              <a:rPr lang="da-DK" altLang="da-DK" sz="1600" dirty="0" smtClean="0"/>
+              <a:rPr lang="da-DK" altLang="da-DK" sz="1600" dirty="0"/>
               <a:t> 7)</a:t>
             </a:r>
           </a:p>
@@ -11662,31 +12114,23 @@
               </a:spcBef>
             </a:pPr>
             <a:r>
-              <a:rPr lang="da-DK" altLang="da-DK" sz="1600" dirty="0" smtClean="0"/>
-              <a:t>Det gør I ved først at trykke på “</a:t>
-            </a:r>
-            <a:r>
-              <a:rPr lang="da-DK" altLang="da-DK" sz="1600" dirty="0" err="1" smtClean="0"/>
-              <a:t>Breakout</a:t>
-            </a:r>
-            <a:r>
-              <a:rPr lang="da-DK" altLang="da-DK" sz="1600" dirty="0" smtClean="0"/>
-              <a:t> </a:t>
-            </a:r>
-            <a:r>
-              <a:rPr lang="da-DK" altLang="da-DK" sz="1600" dirty="0" err="1" smtClean="0"/>
+              <a:rPr lang="da-DK" altLang="da-DK" sz="1600" dirty="0"/>
+              <a:t>Det gør I ved først at trykke på “Breakout </a:t>
+            </a:r>
+            <a:r>
+              <a:rPr lang="da-DK" altLang="da-DK" sz="1600" dirty="0" err="1"/>
               <a:t>Rooms</a:t>
             </a:r>
             <a:r>
-              <a:rPr lang="da-DK" altLang="da-DK" sz="1600" dirty="0" smtClean="0"/>
+              <a:rPr lang="da-DK" altLang="da-DK" sz="1600" dirty="0"/>
               <a:t>” nederst i Zoom vinduet og derpå på “</a:t>
             </a:r>
             <a:r>
-              <a:rPr lang="da-DK" altLang="da-DK" sz="1600" dirty="0" err="1" smtClean="0"/>
+              <a:rPr lang="da-DK" altLang="da-DK" sz="1600" dirty="0" err="1"/>
               <a:t>Join</a:t>
             </a:r>
             <a:r>
-              <a:rPr lang="da-DK" altLang="da-DK" sz="1600" dirty="0" smtClean="0"/>
+              <a:rPr lang="da-DK" altLang="da-DK" sz="1600" dirty="0"/>
               <a:t>” ud for det rum, som I vil gå ind i</a:t>
             </a:r>
           </a:p>
@@ -11697,7 +12141,7 @@
               </a:spcBef>
             </a:pPr>
             <a:r>
-              <a:rPr lang="da-DK" altLang="da-DK" sz="1600" dirty="0" smtClean="0"/>
+              <a:rPr lang="da-DK" altLang="da-DK" sz="1600" dirty="0"/>
               <a:t>Hvis I er alene, skal I også gå ind i jeres rum (så instruktoren kan “finde” jer der)</a:t>
             </a:r>
           </a:p>
@@ -11708,22 +12152,22 @@
               </a:spcBef>
             </a:pPr>
             <a:r>
-              <a:rPr lang="da-DK" altLang="da-DK" sz="1600" dirty="0" smtClean="0"/>
+              <a:rPr lang="da-DK" altLang="da-DK" sz="1600" dirty="0"/>
               <a:t>Der er også et rum, der hedder ”</a:t>
             </a:r>
             <a:r>
-              <a:rPr lang="da-DK" altLang="da-DK" sz="1600" dirty="0" err="1" smtClean="0"/>
+              <a:rPr lang="da-DK" altLang="da-DK" sz="1600" dirty="0" err="1"/>
               <a:t>Staff</a:t>
             </a:r>
             <a:r>
-              <a:rPr lang="da-DK" altLang="da-DK" sz="1600" dirty="0" smtClean="0"/>
+              <a:rPr lang="da-DK" altLang="da-DK" sz="1600" dirty="0"/>
               <a:t>” (det er til brug for instruktorerne og mig)</a:t>
             </a:r>
           </a:p>
           <a:p>
             <a:pPr marL="271463" lvl="1" indent="-271463">
               <a:spcBef>
-                <a:spcPts val="1800"/>
+                <a:spcPts val="1200"/>
               </a:spcBef>
               <a:buFontTx/>
               <a:buChar char="•"/>
@@ -11734,23 +12178,7 @@
                   <a:srgbClr val="A50021"/>
                 </a:solidFill>
               </a:rPr>
-              <a:t>Inde i </a:t>
-            </a:r>
-            <a:r>
-              <a:rPr lang="da-DK" altLang="da-DK" sz="1800" b="1" spc="-40" dirty="0" err="1" smtClean="0">
-                <a:solidFill>
-                  <a:srgbClr val="A50021"/>
-                </a:solidFill>
-              </a:rPr>
-              <a:t>breakout</a:t>
-            </a:r>
-            <a:r>
-              <a:rPr lang="da-DK" altLang="da-DK" sz="1800" b="1" spc="-40" dirty="0" smtClean="0">
-                <a:solidFill>
-                  <a:srgbClr val="A50021"/>
-                </a:solidFill>
-              </a:rPr>
-              <a:t> rummet</a:t>
+              <a:t>Inde i breakout rummet</a:t>
             </a:r>
           </a:p>
           <a:p>
@@ -11809,7 +12237,7 @@
           <a:p>
             <a:pPr marL="271463" lvl="1" indent="-271463">
               <a:spcBef>
-                <a:spcPts val="1800"/>
+                <a:spcPts val="1200"/>
               </a:spcBef>
               <a:buFontTx/>
               <a:buChar char="•"/>
@@ -11820,7 +12248,15 @@
                   <a:srgbClr val="A50021"/>
                 </a:solidFill>
               </a:rPr>
-              <a:t>De tre instruktorer vil “bevæge” sig rundt mellem jeres rum og hjælpe jer</a:t>
+              <a:t>Instruktorerne </a:t>
+            </a:r>
+            <a:r>
+              <a:rPr lang="da-DK" altLang="da-DK" sz="1800" b="1" spc="-40" dirty="0" smtClean="0">
+                <a:solidFill>
+                  <a:srgbClr val="A50021"/>
+                </a:solidFill>
+              </a:rPr>
+              <a:t>vil “bevæge” sig rundt mellem rummene og hjælpe jer</a:t>
             </a:r>
           </a:p>
           <a:p>
@@ -11831,7 +12267,15 @@
             </a:pPr>
             <a:r>
               <a:rPr lang="da-DK" altLang="da-DK" sz="1600" spc="-40" dirty="0" smtClean="0"/>
-              <a:t>Hvis I vil tilkalde hjælp fra instruktoren, nytter det ikke at bruge chat faciliteten i Zoom, idet beskeden kun kan læses af dem, som allerede er i rummet, når den skrives </a:t>
+              <a:t>Hvis I vil tilkalde hjælp fra </a:t>
+            </a:r>
+            <a:r>
+              <a:rPr lang="da-DK" altLang="da-DK" sz="1600" spc="-40" dirty="0" smtClean="0"/>
+              <a:t>instruktorerne, </a:t>
+            </a:r>
+            <a:r>
+              <a:rPr lang="da-DK" altLang="da-DK" sz="1600" spc="-40" dirty="0" smtClean="0"/>
+              <a:t>nytter det ikke at bruge chat faciliteten i Zoom, idet beskeden kun kan læses af dem, som allerede er i rummet, når den skrives </a:t>
             </a:r>
           </a:p>
           <a:p>
@@ -11850,7 +12294,26 @@
             </a:r>
             <a:r>
               <a:rPr lang="da-DK" altLang="da-DK" sz="1600" spc="-40" dirty="0" smtClean="0"/>
-              <a:t>” øverst på siden “Program for seminarer”</a:t>
+              <a:t>” øverst på siden ”</a:t>
+            </a:r>
+            <a:r>
+              <a:rPr lang="da-DK" altLang="da-DK" sz="1600" b="1" spc="-40" dirty="0" smtClean="0"/>
+              <a:t>Seminar 1 – 7. januar</a:t>
+            </a:r>
+            <a:r>
+              <a:rPr lang="da-DK" altLang="da-DK" sz="1600" spc="-40" dirty="0" smtClean="0"/>
+              <a:t>”</a:t>
+            </a:r>
+          </a:p>
+          <a:p>
+            <a:pPr marL="742950" lvl="1" indent="-285750">
+              <a:spcBef>
+                <a:spcPts val="600"/>
+              </a:spcBef>
+            </a:pPr>
+            <a:r>
+              <a:rPr lang="da-DK" altLang="da-DK" sz="1600" spc="-40" dirty="0" smtClean="0"/>
+              <a:t>Så får I adgang til et delt Googler Docs dokument, hvor I kan skrive jer på en venteliste</a:t>
             </a:r>
           </a:p>
         </p:txBody>
@@ -11903,650 +12366,7 @@
         <p:spPr bwMode="auto">
           <a:xfrm>
             <a:off x="459225" y="260349"/>
-            <a:ext cx="8073215" cy="682625"/>
-          </a:xfrm>
-          <a:prstGeom prst="rect">
-            <a:avLst/>
-          </a:prstGeom>
-          <a:noFill/>
-          <a:ln>
-            <a:noFill/>
-          </a:ln>
-          <a:extLst>
-            <a:ext uri="{909E8E84-426E-40DD-AFC4-6F175D3DCCD1}">
-              <a14:hiddenFill xmlns:a14="http://schemas.microsoft.com/office/drawing/2010/main">
-                <a:solidFill>
-                  <a:srgbClr val="FFFFFF"/>
-                </a:solidFill>
-              </a14:hiddenFill>
-            </a:ext>
-            <a:ext uri="{91240B29-F687-4F45-9708-019B960494DF}">
-              <a14:hiddenLine xmlns:a14="http://schemas.microsoft.com/office/drawing/2010/main" w="9525">
-                <a:solidFill>
-                  <a:srgbClr val="000000"/>
-                </a:solidFill>
-                <a:miter lim="800000"/>
-                <a:headEnd/>
-                <a:tailEnd/>
-              </a14:hiddenLine>
-            </a:ext>
-          </a:extLst>
-        </p:spPr>
-        <p:txBody>
-          <a:bodyPr anchor="ctr"/>
-          <a:lstStyle>
-            <a:lvl1pPr algn="l" rtl="0" eaLnBrk="0" fontAlgn="base" hangingPunct="0">
-              <a:spcBef>
-                <a:spcPct val="0"/>
-              </a:spcBef>
-              <a:spcAft>
-                <a:spcPct val="0"/>
-              </a:spcAft>
-              <a:defRPr sz="3600" b="1">
-                <a:solidFill>
-                  <a:srgbClr val="000066"/>
-                </a:solidFill>
-                <a:latin typeface="+mj-lt"/>
-                <a:ea typeface="ＭＳ Ｐゴシック" pitchFamily="-107" charset="-128"/>
-                <a:cs typeface="ＭＳ Ｐゴシック" pitchFamily="-107" charset="-128"/>
-              </a:defRPr>
-            </a:lvl1pPr>
-            <a:lvl2pPr algn="l" rtl="0" eaLnBrk="0" fontAlgn="base" hangingPunct="0">
-              <a:spcBef>
-                <a:spcPct val="0"/>
-              </a:spcBef>
-              <a:spcAft>
-                <a:spcPct val="0"/>
-              </a:spcAft>
-              <a:defRPr sz="3600" b="1">
-                <a:solidFill>
-                  <a:srgbClr val="000066"/>
-                </a:solidFill>
-                <a:latin typeface="Arial" charset="0"/>
-                <a:ea typeface="ＭＳ Ｐゴシック" pitchFamily="-107" charset="-128"/>
-                <a:cs typeface="ＭＳ Ｐゴシック" pitchFamily="-107" charset="-128"/>
-              </a:defRPr>
-            </a:lvl2pPr>
-            <a:lvl3pPr algn="l" rtl="0" eaLnBrk="0" fontAlgn="base" hangingPunct="0">
-              <a:spcBef>
-                <a:spcPct val="0"/>
-              </a:spcBef>
-              <a:spcAft>
-                <a:spcPct val="0"/>
-              </a:spcAft>
-              <a:defRPr sz="3600" b="1">
-                <a:solidFill>
-                  <a:srgbClr val="000066"/>
-                </a:solidFill>
-                <a:latin typeface="Arial" charset="0"/>
-                <a:ea typeface="ＭＳ Ｐゴシック" pitchFamily="-107" charset="-128"/>
-                <a:cs typeface="ＭＳ Ｐゴシック" pitchFamily="-107" charset="-128"/>
-              </a:defRPr>
-            </a:lvl3pPr>
-            <a:lvl4pPr algn="l" rtl="0" eaLnBrk="0" fontAlgn="base" hangingPunct="0">
-              <a:spcBef>
-                <a:spcPct val="0"/>
-              </a:spcBef>
-              <a:spcAft>
-                <a:spcPct val="0"/>
-              </a:spcAft>
-              <a:defRPr sz="3600" b="1">
-                <a:solidFill>
-                  <a:srgbClr val="000066"/>
-                </a:solidFill>
-                <a:latin typeface="Arial" charset="0"/>
-                <a:ea typeface="ＭＳ Ｐゴシック" pitchFamily="-107" charset="-128"/>
-                <a:cs typeface="ＭＳ Ｐゴシック" pitchFamily="-107" charset="-128"/>
-              </a:defRPr>
-            </a:lvl4pPr>
-            <a:lvl5pPr algn="l" rtl="0" eaLnBrk="0" fontAlgn="base" hangingPunct="0">
-              <a:spcBef>
-                <a:spcPct val="0"/>
-              </a:spcBef>
-              <a:spcAft>
-                <a:spcPct val="0"/>
-              </a:spcAft>
-              <a:defRPr sz="3600" b="1">
-                <a:solidFill>
-                  <a:srgbClr val="000066"/>
-                </a:solidFill>
-                <a:latin typeface="Arial" charset="0"/>
-                <a:ea typeface="ＭＳ Ｐゴシック" pitchFamily="-107" charset="-128"/>
-                <a:cs typeface="ＭＳ Ｐゴシック" pitchFamily="-107" charset="-128"/>
-              </a:defRPr>
-            </a:lvl5pPr>
-            <a:lvl6pPr marL="457200" algn="l" rtl="0" fontAlgn="base">
-              <a:spcBef>
-                <a:spcPct val="0"/>
-              </a:spcBef>
-              <a:spcAft>
-                <a:spcPct val="0"/>
-              </a:spcAft>
-              <a:defRPr sz="3600" b="1">
-                <a:solidFill>
-                  <a:srgbClr val="000066"/>
-                </a:solidFill>
-                <a:latin typeface="Arial" charset="0"/>
-              </a:defRPr>
-            </a:lvl6pPr>
-            <a:lvl7pPr marL="914400" algn="l" rtl="0" fontAlgn="base">
-              <a:spcBef>
-                <a:spcPct val="0"/>
-              </a:spcBef>
-              <a:spcAft>
-                <a:spcPct val="0"/>
-              </a:spcAft>
-              <a:defRPr sz="3600" b="1">
-                <a:solidFill>
-                  <a:srgbClr val="000066"/>
-                </a:solidFill>
-                <a:latin typeface="Arial" charset="0"/>
-              </a:defRPr>
-            </a:lvl7pPr>
-            <a:lvl8pPr marL="1371600" algn="l" rtl="0" fontAlgn="base">
-              <a:spcBef>
-                <a:spcPct val="0"/>
-              </a:spcBef>
-              <a:spcAft>
-                <a:spcPct val="0"/>
-              </a:spcAft>
-              <a:defRPr sz="3600" b="1">
-                <a:solidFill>
-                  <a:srgbClr val="000066"/>
-                </a:solidFill>
-                <a:latin typeface="Arial" charset="0"/>
-              </a:defRPr>
-            </a:lvl8pPr>
-            <a:lvl9pPr marL="1828800" algn="l" rtl="0" fontAlgn="base">
-              <a:spcBef>
-                <a:spcPct val="0"/>
-              </a:spcBef>
-              <a:spcAft>
-                <a:spcPct val="0"/>
-              </a:spcAft>
-              <a:defRPr sz="3600" b="1">
-                <a:solidFill>
-                  <a:srgbClr val="000066"/>
-                </a:solidFill>
-                <a:latin typeface="Arial" charset="0"/>
-              </a:defRPr>
-            </a:lvl9pPr>
-          </a:lstStyle>
-          <a:p>
-            <a:pPr marL="271463" indent="-271463"/>
-            <a:r>
-              <a:rPr lang="da-DK" altLang="da-DK" sz="2800" dirty="0" smtClean="0"/>
-              <a:t>Delt Google Docs dokument</a:t>
-            </a:r>
-            <a:endParaRPr lang="da-DK" altLang="da-DK" sz="2800" dirty="0"/>
-          </a:p>
-        </p:txBody>
-      </p:sp>
-      <p:sp>
-        <p:nvSpPr>
-          <p:cNvPr id="2" name="Rectangle 1"/>
-          <p:cNvSpPr/>
-          <p:nvPr/>
-        </p:nvSpPr>
-        <p:spPr>
-          <a:xfrm>
-            <a:off x="459225" y="1196752"/>
-            <a:ext cx="8352928" cy="4401205"/>
-          </a:xfrm>
-          <a:prstGeom prst="rect">
-            <a:avLst/>
-          </a:prstGeom>
-        </p:spPr>
-        <p:txBody>
-          <a:bodyPr wrap="square">
-            <a:spAutoFit/>
-          </a:bodyPr>
-          <a:lstStyle/>
-          <a:p>
-            <a:pPr>
-              <a:spcBef>
-                <a:spcPts val="0"/>
-              </a:spcBef>
-              <a:spcAft>
-                <a:spcPts val="0"/>
-              </a:spcAft>
-            </a:pPr>
-            <a:r>
-              <a:rPr lang="da-DK" b="1" dirty="0" smtClean="0">
-                <a:solidFill>
-                  <a:srgbClr val="000000"/>
-                </a:solidFill>
-                <a:latin typeface="Arial" panose="020B0604020202020204" pitchFamily="34" charset="0"/>
-              </a:rPr>
-              <a:t>Øvelser i Introduktion til Programmering (Foråret 2021)</a:t>
-            </a:r>
-            <a:endParaRPr lang="da-DK" sz="1400" dirty="0" smtClean="0"/>
-          </a:p>
-          <a:p>
-            <a:pPr>
-              <a:spcBef>
-                <a:spcPts val="0"/>
-              </a:spcBef>
-              <a:spcAft>
-                <a:spcPts val="0"/>
-              </a:spcAft>
-            </a:pPr>
-            <a:r>
-              <a:rPr lang="da-DK" sz="1400" dirty="0" smtClean="0"/>
-              <a:t/>
-            </a:r>
-            <a:br>
-              <a:rPr lang="da-DK" sz="1400" dirty="0" smtClean="0"/>
-            </a:br>
-            <a:r>
-              <a:rPr lang="da-DK" sz="1400" b="1" dirty="0">
-                <a:solidFill>
-                  <a:srgbClr val="000000"/>
-                </a:solidFill>
-                <a:latin typeface="Arial" panose="020B0604020202020204" pitchFamily="34" charset="0"/>
-              </a:rPr>
-              <a:t>Adam (40 43 10 98)</a:t>
-            </a:r>
-            <a:endParaRPr lang="da-DK" sz="1400" dirty="0"/>
-          </a:p>
-          <a:p>
-            <a:pPr>
-              <a:spcBef>
-                <a:spcPts val="0"/>
-              </a:spcBef>
-              <a:spcAft>
-                <a:spcPts val="0"/>
-              </a:spcAft>
-            </a:pPr>
-            <a:r>
-              <a:rPr lang="da-DK" sz="1400" dirty="0">
-                <a:solidFill>
-                  <a:srgbClr val="FF0000"/>
-                </a:solidFill>
-                <a:latin typeface="Arial" panose="020B0604020202020204" pitchFamily="34" charset="0"/>
-              </a:rPr>
-              <a:t>Par X : Vi har brug for hjælp med at få “</a:t>
-            </a:r>
-            <a:r>
-              <a:rPr lang="da-DK" sz="1400" dirty="0" err="1">
-                <a:solidFill>
-                  <a:srgbClr val="FF0000"/>
-                </a:solidFill>
-                <a:latin typeface="Arial" panose="020B0604020202020204" pitchFamily="34" charset="0"/>
-              </a:rPr>
-              <a:t>Hello</a:t>
-            </a:r>
-            <a:r>
-              <a:rPr lang="da-DK" sz="1400" dirty="0">
-                <a:solidFill>
-                  <a:srgbClr val="FF0000"/>
-                </a:solidFill>
-                <a:latin typeface="Arial" panose="020B0604020202020204" pitchFamily="34" charset="0"/>
-              </a:rPr>
-              <a:t> World” til at virke.</a:t>
-            </a:r>
-            <a:endParaRPr lang="da-DK" sz="1400" dirty="0"/>
-          </a:p>
-          <a:p>
-            <a:pPr>
-              <a:spcBef>
-                <a:spcPts val="0"/>
-              </a:spcBef>
-              <a:spcAft>
-                <a:spcPts val="0"/>
-              </a:spcAft>
-            </a:pPr>
-            <a:r>
-              <a:rPr lang="da-DK" sz="1400" dirty="0">
-                <a:solidFill>
-                  <a:srgbClr val="FF0000"/>
-                </a:solidFill>
-                <a:latin typeface="Arial" panose="020B0604020202020204" pitchFamily="34" charset="0"/>
-              </a:rPr>
-              <a:t>Par Y: HJÆLP - Hvordan installerer man </a:t>
-            </a:r>
-            <a:r>
-              <a:rPr lang="da-DK" sz="1400" dirty="0" err="1">
-                <a:solidFill>
-                  <a:srgbClr val="FF0000"/>
-                </a:solidFill>
-                <a:latin typeface="Arial" panose="020B0604020202020204" pitchFamily="34" charset="0"/>
-              </a:rPr>
-              <a:t>BlueJ</a:t>
-            </a:r>
-            <a:r>
-              <a:rPr lang="da-DK" sz="1400" dirty="0">
-                <a:solidFill>
-                  <a:srgbClr val="FF0000"/>
-                </a:solidFill>
-                <a:latin typeface="Arial" panose="020B0604020202020204" pitchFamily="34" charset="0"/>
-              </a:rPr>
-              <a:t>.</a:t>
-            </a:r>
-            <a:endParaRPr lang="da-DK" sz="1400" dirty="0"/>
-          </a:p>
-          <a:p>
-            <a:pPr>
-              <a:spcBef>
-                <a:spcPts val="0"/>
-              </a:spcBef>
-              <a:spcAft>
-                <a:spcPts val="0"/>
-              </a:spcAft>
-            </a:pPr>
-            <a:r>
-              <a:rPr lang="da-DK" sz="1400" dirty="0"/>
-              <a:t/>
-            </a:r>
-            <a:br>
-              <a:rPr lang="da-DK" sz="1400" dirty="0"/>
-            </a:br>
-            <a:r>
-              <a:rPr lang="da-DK" sz="1400" b="1" dirty="0">
-                <a:solidFill>
-                  <a:srgbClr val="000000"/>
-                </a:solidFill>
-                <a:latin typeface="Arial" panose="020B0604020202020204" pitchFamily="34" charset="0"/>
-              </a:rPr>
-              <a:t>Asger (40 22 69 19)</a:t>
-            </a:r>
-            <a:endParaRPr lang="da-DK" sz="1400" dirty="0"/>
-          </a:p>
-          <a:p>
-            <a:pPr>
-              <a:spcBef>
-                <a:spcPts val="0"/>
-              </a:spcBef>
-              <a:spcAft>
-                <a:spcPts val="0"/>
-              </a:spcAft>
-            </a:pPr>
-            <a:r>
-              <a:rPr lang="da-DK" sz="1400" dirty="0">
-                <a:solidFill>
-                  <a:srgbClr val="FF0000"/>
-                </a:solidFill>
-                <a:latin typeface="Arial" panose="020B0604020202020204" pitchFamily="34" charset="0"/>
-              </a:rPr>
-              <a:t>Par X: Vi har brug for hjælp med første opgave.</a:t>
-            </a:r>
-            <a:endParaRPr lang="da-DK" sz="1400" dirty="0"/>
-          </a:p>
-          <a:p>
-            <a:pPr>
-              <a:spcBef>
-                <a:spcPts val="0"/>
-              </a:spcBef>
-              <a:spcAft>
-                <a:spcPts val="0"/>
-              </a:spcAft>
-            </a:pPr>
-            <a:r>
-              <a:rPr lang="da-DK" sz="1400" dirty="0">
-                <a:solidFill>
-                  <a:srgbClr val="FF0000"/>
-                </a:solidFill>
-                <a:latin typeface="Arial" panose="020B0604020202020204" pitchFamily="34" charset="0"/>
-              </a:rPr>
-              <a:t>Par Y: Vi kan ikke oversætte Die klassen.</a:t>
-            </a:r>
-            <a:endParaRPr lang="da-DK" sz="1400" dirty="0"/>
-          </a:p>
-          <a:p>
-            <a:pPr>
-              <a:spcBef>
-                <a:spcPts val="0"/>
-              </a:spcBef>
-              <a:spcAft>
-                <a:spcPts val="0"/>
-              </a:spcAft>
-            </a:pPr>
-            <a:r>
-              <a:rPr lang="da-DK" sz="1400" dirty="0"/>
-              <a:t/>
-            </a:r>
-            <a:br>
-              <a:rPr lang="da-DK" sz="1400" dirty="0"/>
-            </a:br>
-            <a:r>
-              <a:rPr lang="da-DK" sz="1400" b="1" dirty="0">
-                <a:solidFill>
-                  <a:srgbClr val="000000"/>
-                </a:solidFill>
-                <a:latin typeface="Arial" panose="020B0604020202020204" pitchFamily="34" charset="0"/>
-              </a:rPr>
-              <a:t>Mikkel (29 82 90 12)</a:t>
-            </a:r>
-            <a:endParaRPr lang="da-DK" sz="1400" dirty="0"/>
-          </a:p>
-          <a:p>
-            <a:pPr>
-              <a:spcBef>
-                <a:spcPts val="0"/>
-              </a:spcBef>
-              <a:spcAft>
-                <a:spcPts val="0"/>
-              </a:spcAft>
-            </a:pPr>
-            <a:r>
-              <a:rPr lang="da-DK" sz="1400" dirty="0">
-                <a:solidFill>
-                  <a:srgbClr val="FF0000"/>
-                </a:solidFill>
-                <a:latin typeface="Arial" panose="020B0604020202020204" pitchFamily="34" charset="0"/>
-              </a:rPr>
-              <a:t>Par X: Vi er færdig med opgave 1. Holder en kort pause og går så </a:t>
-            </a:r>
-            <a:r>
-              <a:rPr lang="da-DK" sz="1400" dirty="0" err="1">
-                <a:solidFill>
-                  <a:srgbClr val="FF0000"/>
-                </a:solidFill>
-                <a:latin typeface="Arial" panose="020B0604020202020204" pitchFamily="34" charset="0"/>
-              </a:rPr>
-              <a:t>igang</a:t>
-            </a:r>
-            <a:r>
-              <a:rPr lang="da-DK" sz="1400" dirty="0">
-                <a:solidFill>
-                  <a:srgbClr val="FF0000"/>
-                </a:solidFill>
-                <a:latin typeface="Arial" panose="020B0604020202020204" pitchFamily="34" charset="0"/>
-              </a:rPr>
-              <a:t> igen.</a:t>
-            </a:r>
-            <a:endParaRPr lang="da-DK" sz="1400" dirty="0"/>
-          </a:p>
-          <a:p>
-            <a:pPr>
-              <a:spcBef>
-                <a:spcPts val="0"/>
-              </a:spcBef>
-              <a:spcAft>
-                <a:spcPts val="0"/>
-              </a:spcAft>
-            </a:pPr>
-            <a:r>
-              <a:rPr lang="da-DK" sz="1400" dirty="0">
-                <a:solidFill>
-                  <a:srgbClr val="FF0000"/>
-                </a:solidFill>
-                <a:latin typeface="Arial" panose="020B0604020202020204" pitchFamily="34" charset="0"/>
-              </a:rPr>
-              <a:t>Par Y: Vi er kørt helt fast. Hjælp stærkt tiltrængt så hurtigt som muligt.</a:t>
-            </a:r>
-          </a:p>
-          <a:p>
-            <a:pPr>
-              <a:spcBef>
-                <a:spcPts val="0"/>
-              </a:spcBef>
-              <a:spcAft>
-                <a:spcPts val="0"/>
-              </a:spcAft>
-            </a:pPr>
-            <a:r>
-              <a:rPr lang="da-DK" sz="1400" dirty="0">
-                <a:solidFill>
-                  <a:srgbClr val="FF0000"/>
-                </a:solidFill>
-                <a:latin typeface="Arial" panose="020B0604020202020204" pitchFamily="34" charset="0"/>
-              </a:rPr>
-              <a:t>Par Z: Vi er gået til frokostpause </a:t>
-            </a:r>
-            <a:endParaRPr lang="da-DK" sz="1400" dirty="0"/>
-          </a:p>
-          <a:p>
-            <a:pPr>
-              <a:spcBef>
-                <a:spcPts val="0"/>
-              </a:spcBef>
-              <a:spcAft>
-                <a:spcPts val="0"/>
-              </a:spcAft>
-            </a:pPr>
-            <a:endParaRPr lang="da-DK" sz="1400" b="1" dirty="0" smtClean="0">
-              <a:solidFill>
-                <a:srgbClr val="000000"/>
-              </a:solidFill>
-              <a:latin typeface="Arial" panose="020B0604020202020204" pitchFamily="34" charset="0"/>
-            </a:endParaRPr>
-          </a:p>
-          <a:p>
-            <a:pPr>
-              <a:spcBef>
-                <a:spcPts val="0"/>
-              </a:spcBef>
-              <a:spcAft>
-                <a:spcPts val="0"/>
-              </a:spcAft>
-            </a:pPr>
-            <a:r>
-              <a:rPr lang="da-DK" sz="1200" dirty="0" smtClean="0">
-                <a:solidFill>
-                  <a:srgbClr val="000000"/>
-                </a:solidFill>
-                <a:latin typeface="Arial" panose="020B0604020202020204" pitchFamily="34" charset="0"/>
-              </a:rPr>
-              <a:t>Par-nummeret er også nummeret på det Zoom </a:t>
-            </a:r>
-            <a:r>
-              <a:rPr lang="da-DK" sz="1200" dirty="0" err="1" smtClean="0">
-                <a:solidFill>
-                  <a:srgbClr val="000000"/>
-                </a:solidFill>
-                <a:latin typeface="Arial" panose="020B0604020202020204" pitchFamily="34" charset="0"/>
-              </a:rPr>
-              <a:t>breakout</a:t>
-            </a:r>
-            <a:r>
-              <a:rPr lang="da-DK" sz="1200" dirty="0" smtClean="0">
-                <a:solidFill>
-                  <a:srgbClr val="000000"/>
-                </a:solidFill>
-                <a:latin typeface="Arial" panose="020B0604020202020204" pitchFamily="34" charset="0"/>
-              </a:rPr>
-              <a:t> rum, som I skal anvende under øvelserne.</a:t>
-            </a:r>
-            <a:endParaRPr lang="da-DK" sz="1200" dirty="0" smtClean="0"/>
-          </a:p>
-          <a:p>
-            <a:pPr>
-              <a:spcBef>
-                <a:spcPts val="0"/>
-              </a:spcBef>
-              <a:spcAft>
-                <a:spcPts val="0"/>
-              </a:spcAft>
-            </a:pPr>
-            <a:r>
-              <a:rPr lang="da-DK" sz="1200" dirty="0" smtClean="0">
-                <a:solidFill>
-                  <a:srgbClr val="000000"/>
-                </a:solidFill>
-                <a:latin typeface="Arial" panose="020B0604020202020204" pitchFamily="34" charset="0"/>
-              </a:rPr>
-              <a:t>Hvis I har brug for hjælp fra jeres instruktor, så tilføj en ny linje under navnet på jeres instruktor. Udvis køkultur ved at tilføje jeres linje nederst i køen. Instruktorerne sletter linjerne efterhånden, som I får hjælp fra dem.</a:t>
-            </a:r>
-            <a:endParaRPr lang="da-DK" sz="1200" dirty="0" smtClean="0"/>
-          </a:p>
-          <a:p>
-            <a:pPr>
-              <a:spcBef>
-                <a:spcPts val="0"/>
-              </a:spcBef>
-              <a:spcAft>
-                <a:spcPts val="0"/>
-              </a:spcAft>
-            </a:pPr>
-            <a:r>
-              <a:rPr lang="da-DK" sz="1400" dirty="0" smtClean="0"/>
-              <a:t/>
-            </a:r>
-            <a:br>
-              <a:rPr lang="da-DK" sz="1400" dirty="0" smtClean="0"/>
-            </a:br>
-            <a:r>
-              <a:rPr lang="da-DK" sz="1400" b="1" dirty="0">
-                <a:solidFill>
-                  <a:srgbClr val="000000"/>
-                </a:solidFill>
-                <a:latin typeface="Arial" panose="020B0604020202020204" pitchFamily="34" charset="0"/>
-              </a:rPr>
-              <a:t>Kurt (29 90 56 12)</a:t>
-            </a:r>
-          </a:p>
-        </p:txBody>
-      </p:sp>
-    </p:spTree>
-    <p:extLst>
-      <p:ext uri="{BB962C8B-B14F-4D97-AF65-F5344CB8AC3E}">
-        <p14:creationId xmlns:p14="http://schemas.microsoft.com/office/powerpoint/2010/main" val="3103977597"/>
-      </p:ext>
-    </p:extLst>
-  </p:cSld>
-  <p:clrMapOvr>
-    <a:masterClrMapping/>
-  </p:clrMapOvr>
-  <p:timing>
-    <p:tnLst>
-      <p:par>
-        <p:cTn id="1" dur="indefinite" restart="never" nodeType="tmRoot"/>
-      </p:par>
-    </p:tnLst>
-  </p:timing>
-</p:sld>
-</file>
-
-<file path=ppt/slides/slide9.xml><?xml version="1.0" encoding="utf-8"?>
-<p:sld xmlns:a="http://schemas.openxmlformats.org/drawingml/2006/main" xmlns:r="http://schemas.openxmlformats.org/officeDocument/2006/relationships" xmlns:p="http://schemas.openxmlformats.org/presentationml/2006/main">
-  <p:cSld>
-    <p:spTree>
-      <p:nvGrpSpPr>
-        <p:cNvPr id="1" name=""/>
-        <p:cNvGrpSpPr/>
-        <p:nvPr/>
-      </p:nvGrpSpPr>
-      <p:grpSpPr>
-        <a:xfrm>
-          <a:off x="0" y="0"/>
-          <a:ext cx="0" cy="0"/>
-          <a:chOff x="0" y="0"/>
-          <a:chExt cx="0" cy="0"/>
-        </a:xfrm>
-      </p:grpSpPr>
-      <p:sp>
-        <p:nvSpPr>
-          <p:cNvPr id="4" name="Title 1"/>
-          <p:cNvSpPr txBox="1">
-            <a:spLocks/>
-          </p:cNvSpPr>
-          <p:nvPr/>
-        </p:nvSpPr>
-        <p:spPr bwMode="auto">
-          <a:xfrm>
-            <a:off x="459225" y="260349"/>
-            <a:ext cx="8793295" cy="682625"/>
+            <a:ext cx="8577271" cy="682625"/>
           </a:xfrm>
           <a:prstGeom prst="rect">
             <a:avLst/>
@@ -12736,7 +12556,7 @@
         <p:spPr bwMode="auto">
           <a:xfrm>
             <a:off x="539552" y="1124744"/>
-            <a:ext cx="8352928" cy="3888432"/>
+            <a:ext cx="8352928" cy="1584176"/>
           </a:xfrm>
           <a:prstGeom prst="rect">
             <a:avLst/>
@@ -12912,7 +12732,7 @@
                   <a:srgbClr val="A50021"/>
                 </a:solidFill>
               </a:rPr>
-              <a:t>Vi  ”mødes” alle i ”hovedrummet” kl. 13.00</a:t>
+              <a:t>Vi  mødes alle kl. 13.00</a:t>
             </a:r>
           </a:p>
           <a:p>
@@ -12923,58 +12743,7 @@
             </a:pPr>
             <a:r>
               <a:rPr lang="da-DK" altLang="da-DK" sz="1600" dirty="0" smtClean="0"/>
-              <a:t>Der kommer I hen ved at trykke på “</a:t>
-            </a:r>
-            <a:r>
-              <a:rPr lang="da-DK" altLang="da-DK" sz="1600" dirty="0" err="1" smtClean="0"/>
-              <a:t>Leave</a:t>
-            </a:r>
-            <a:r>
-              <a:rPr lang="da-DK" altLang="da-DK" sz="1600" dirty="0" smtClean="0"/>
-              <a:t> </a:t>
-            </a:r>
-            <a:r>
-              <a:rPr lang="da-DK" altLang="da-DK" sz="1600" dirty="0" err="1" smtClean="0"/>
-              <a:t>Room</a:t>
-            </a:r>
-            <a:r>
-              <a:rPr lang="da-DK" altLang="da-DK" sz="1600" dirty="0" smtClean="0"/>
-              <a:t>” knappen og dernæst på “</a:t>
-            </a:r>
-            <a:r>
-              <a:rPr lang="da-DK" altLang="da-DK" sz="1600" dirty="0" err="1" smtClean="0"/>
-              <a:t>Leave</a:t>
-            </a:r>
-            <a:r>
-              <a:rPr lang="da-DK" altLang="da-DK" sz="1600" dirty="0" smtClean="0"/>
-              <a:t> </a:t>
-            </a:r>
-            <a:r>
-              <a:rPr lang="da-DK" altLang="da-DK" sz="1600" dirty="0" err="1" smtClean="0"/>
-              <a:t>Breakout</a:t>
-            </a:r>
-            <a:r>
-              <a:rPr lang="da-DK" altLang="da-DK" sz="1600" dirty="0" smtClean="0"/>
-              <a:t> </a:t>
-            </a:r>
-            <a:r>
-              <a:rPr lang="da-DK" altLang="da-DK" sz="1600" dirty="0" err="1" smtClean="0"/>
-              <a:t>Room</a:t>
-            </a:r>
-            <a:r>
-              <a:rPr lang="da-DK" altLang="da-DK" sz="1600" dirty="0" smtClean="0"/>
-              <a:t>”</a:t>
-            </a:r>
-          </a:p>
-          <a:p>
-            <a:pPr marL="742950" lvl="1" indent="-285750">
-              <a:spcBef>
-                <a:spcPts val="600"/>
-              </a:spcBef>
-            </a:pPr>
-            <a:r>
-              <a:rPr lang="da-DK" altLang="da-DK" sz="1600" dirty="0" smtClean="0"/>
-              <a:t>Husk at stoppe så betids, at kan få noget frokost og få slappet lidt af inden forelæsningerne starter igen – gå eventuelt også en kort tur for at få lidt frisk luft</a:t>
+              <a:t>Husk at stoppe så betids, at I kan få noget frokost og få slappet lidt af inden forelæsningerne starter igen</a:t>
             </a:r>
           </a:p>
           <a:p>
@@ -12993,6 +12762,15 @@
               </a:rPr>
               <a:t>Er der nogen, der har spørgsmål, inden vi går i gang med øvelserne?</a:t>
             </a:r>
+          </a:p>
+          <a:p>
+            <a:pPr marL="271463" lvl="1" indent="-271463">
+              <a:spcBef>
+                <a:spcPts val="1800"/>
+              </a:spcBef>
+              <a:buFontTx/>
+              <a:buChar char="•"/>
+            </a:pPr>
             <a:endParaRPr lang="da-DK" altLang="da-DK" sz="1800" b="1" spc="-40" dirty="0">
               <a:solidFill>
                 <a:srgbClr val="A50021"/>
@@ -13009,7 +12787,7 @@
         </p:nvSpPr>
         <p:spPr>
           <a:xfrm rot="21165640">
-            <a:off x="2647677" y="3705595"/>
+            <a:off x="2431651" y="2879836"/>
             <a:ext cx="3280124" cy="523220"/>
           </a:xfrm>
           <a:prstGeom prst="rect">
@@ -13154,6 +12932,565 @@
             </p:seq>
           </p:childTnLst>
         </p:cTn>
+      </p:par>
+    </p:tnLst>
+  </p:timing>
+</p:sld>
+</file>
+
+<file path=ppt/slides/slide9.xml><?xml version="1.0" encoding="utf-8"?>
+<p:sld xmlns:a="http://schemas.openxmlformats.org/drawingml/2006/main" xmlns:r="http://schemas.openxmlformats.org/officeDocument/2006/relationships" xmlns:p="http://schemas.openxmlformats.org/presentationml/2006/main">
+  <p:cSld>
+    <p:spTree>
+      <p:nvGrpSpPr>
+        <p:cNvPr id="1" name=""/>
+        <p:cNvGrpSpPr/>
+        <p:nvPr/>
+      </p:nvGrpSpPr>
+      <p:grpSpPr>
+        <a:xfrm>
+          <a:off x="0" y="0"/>
+          <a:ext cx="0" cy="0"/>
+          <a:chOff x="0" y="0"/>
+          <a:chExt cx="0" cy="0"/>
+        </a:xfrm>
+      </p:grpSpPr>
+      <p:sp>
+        <p:nvSpPr>
+          <p:cNvPr id="4" name="Title 1"/>
+          <p:cNvSpPr txBox="1">
+            <a:spLocks/>
+          </p:cNvSpPr>
+          <p:nvPr/>
+        </p:nvSpPr>
+        <p:spPr bwMode="auto">
+          <a:xfrm>
+            <a:off x="459225" y="260349"/>
+            <a:ext cx="8577271" cy="682625"/>
+          </a:xfrm>
+          <a:prstGeom prst="rect">
+            <a:avLst/>
+          </a:prstGeom>
+          <a:noFill/>
+          <a:ln>
+            <a:noFill/>
+          </a:ln>
+          <a:extLst>
+            <a:ext uri="{909E8E84-426E-40DD-AFC4-6F175D3DCCD1}">
+              <a14:hiddenFill xmlns:a14="http://schemas.microsoft.com/office/drawing/2010/main">
+                <a:solidFill>
+                  <a:srgbClr val="FFFFFF"/>
+                </a:solidFill>
+              </a14:hiddenFill>
+            </a:ext>
+            <a:ext uri="{91240B29-F687-4F45-9708-019B960494DF}">
+              <a14:hiddenLine xmlns:a14="http://schemas.microsoft.com/office/drawing/2010/main" w="9525">
+                <a:solidFill>
+                  <a:srgbClr val="000000"/>
+                </a:solidFill>
+                <a:miter lim="800000"/>
+                <a:headEnd/>
+                <a:tailEnd/>
+              </a14:hiddenLine>
+            </a:ext>
+          </a:extLst>
+        </p:spPr>
+        <p:txBody>
+          <a:bodyPr anchor="ctr"/>
+          <a:lstStyle>
+            <a:lvl1pPr algn="l" rtl="0" eaLnBrk="0" fontAlgn="base" hangingPunct="0">
+              <a:spcBef>
+                <a:spcPct val="0"/>
+              </a:spcBef>
+              <a:spcAft>
+                <a:spcPct val="0"/>
+              </a:spcAft>
+              <a:defRPr sz="3600" b="1">
+                <a:solidFill>
+                  <a:srgbClr val="000066"/>
+                </a:solidFill>
+                <a:latin typeface="+mj-lt"/>
+                <a:ea typeface="ＭＳ Ｐゴシック" pitchFamily="-107" charset="-128"/>
+                <a:cs typeface="ＭＳ Ｐゴシック" pitchFamily="-107" charset="-128"/>
+              </a:defRPr>
+            </a:lvl1pPr>
+            <a:lvl2pPr algn="l" rtl="0" eaLnBrk="0" fontAlgn="base" hangingPunct="0">
+              <a:spcBef>
+                <a:spcPct val="0"/>
+              </a:spcBef>
+              <a:spcAft>
+                <a:spcPct val="0"/>
+              </a:spcAft>
+              <a:defRPr sz="3600" b="1">
+                <a:solidFill>
+                  <a:srgbClr val="000066"/>
+                </a:solidFill>
+                <a:latin typeface="Arial" charset="0"/>
+                <a:ea typeface="ＭＳ Ｐゴシック" pitchFamily="-107" charset="-128"/>
+                <a:cs typeface="ＭＳ Ｐゴシック" pitchFamily="-107" charset="-128"/>
+              </a:defRPr>
+            </a:lvl2pPr>
+            <a:lvl3pPr algn="l" rtl="0" eaLnBrk="0" fontAlgn="base" hangingPunct="0">
+              <a:spcBef>
+                <a:spcPct val="0"/>
+              </a:spcBef>
+              <a:spcAft>
+                <a:spcPct val="0"/>
+              </a:spcAft>
+              <a:defRPr sz="3600" b="1">
+                <a:solidFill>
+                  <a:srgbClr val="000066"/>
+                </a:solidFill>
+                <a:latin typeface="Arial" charset="0"/>
+                <a:ea typeface="ＭＳ Ｐゴシック" pitchFamily="-107" charset="-128"/>
+                <a:cs typeface="ＭＳ Ｐゴシック" pitchFamily="-107" charset="-128"/>
+              </a:defRPr>
+            </a:lvl3pPr>
+            <a:lvl4pPr algn="l" rtl="0" eaLnBrk="0" fontAlgn="base" hangingPunct="0">
+              <a:spcBef>
+                <a:spcPct val="0"/>
+              </a:spcBef>
+              <a:spcAft>
+                <a:spcPct val="0"/>
+              </a:spcAft>
+              <a:defRPr sz="3600" b="1">
+                <a:solidFill>
+                  <a:srgbClr val="000066"/>
+                </a:solidFill>
+                <a:latin typeface="Arial" charset="0"/>
+                <a:ea typeface="ＭＳ Ｐゴシック" pitchFamily="-107" charset="-128"/>
+                <a:cs typeface="ＭＳ Ｐゴシック" pitchFamily="-107" charset="-128"/>
+              </a:defRPr>
+            </a:lvl4pPr>
+            <a:lvl5pPr algn="l" rtl="0" eaLnBrk="0" fontAlgn="base" hangingPunct="0">
+              <a:spcBef>
+                <a:spcPct val="0"/>
+              </a:spcBef>
+              <a:spcAft>
+                <a:spcPct val="0"/>
+              </a:spcAft>
+              <a:defRPr sz="3600" b="1">
+                <a:solidFill>
+                  <a:srgbClr val="000066"/>
+                </a:solidFill>
+                <a:latin typeface="Arial" charset="0"/>
+                <a:ea typeface="ＭＳ Ｐゴシック" pitchFamily="-107" charset="-128"/>
+                <a:cs typeface="ＭＳ Ｐゴシック" pitchFamily="-107" charset="-128"/>
+              </a:defRPr>
+            </a:lvl5pPr>
+            <a:lvl6pPr marL="457200" algn="l" rtl="0" fontAlgn="base">
+              <a:spcBef>
+                <a:spcPct val="0"/>
+              </a:spcBef>
+              <a:spcAft>
+                <a:spcPct val="0"/>
+              </a:spcAft>
+              <a:defRPr sz="3600" b="1">
+                <a:solidFill>
+                  <a:srgbClr val="000066"/>
+                </a:solidFill>
+                <a:latin typeface="Arial" charset="0"/>
+              </a:defRPr>
+            </a:lvl6pPr>
+            <a:lvl7pPr marL="914400" algn="l" rtl="0" fontAlgn="base">
+              <a:spcBef>
+                <a:spcPct val="0"/>
+              </a:spcBef>
+              <a:spcAft>
+                <a:spcPct val="0"/>
+              </a:spcAft>
+              <a:defRPr sz="3600" b="1">
+                <a:solidFill>
+                  <a:srgbClr val="000066"/>
+                </a:solidFill>
+                <a:latin typeface="Arial" charset="0"/>
+              </a:defRPr>
+            </a:lvl7pPr>
+            <a:lvl8pPr marL="1371600" algn="l" rtl="0" fontAlgn="base">
+              <a:spcBef>
+                <a:spcPct val="0"/>
+              </a:spcBef>
+              <a:spcAft>
+                <a:spcPct val="0"/>
+              </a:spcAft>
+              <a:defRPr sz="3600" b="1">
+                <a:solidFill>
+                  <a:srgbClr val="000066"/>
+                </a:solidFill>
+                <a:latin typeface="Arial" charset="0"/>
+              </a:defRPr>
+            </a:lvl8pPr>
+            <a:lvl9pPr marL="1828800" algn="l" rtl="0" fontAlgn="base">
+              <a:spcBef>
+                <a:spcPct val="0"/>
+              </a:spcBef>
+              <a:spcAft>
+                <a:spcPct val="0"/>
+              </a:spcAft>
+              <a:defRPr sz="3600" b="1">
+                <a:solidFill>
+                  <a:srgbClr val="000066"/>
+                </a:solidFill>
+                <a:latin typeface="Arial" charset="0"/>
+              </a:defRPr>
+            </a:lvl9pPr>
+          </a:lstStyle>
+          <a:p>
+            <a:pPr marL="271463" indent="-271463"/>
+            <a:r>
+              <a:rPr lang="da-DK" altLang="da-DK" sz="2800" dirty="0" smtClean="0"/>
+              <a:t>Frem mod næste seminar</a:t>
+            </a:r>
+            <a:endParaRPr lang="da-DK" altLang="da-DK" sz="2800" dirty="0"/>
+          </a:p>
+        </p:txBody>
+      </p:sp>
+      <p:sp>
+        <p:nvSpPr>
+          <p:cNvPr id="5" name="Content Placeholder 2"/>
+          <p:cNvSpPr txBox="1">
+            <a:spLocks/>
+          </p:cNvSpPr>
+          <p:nvPr/>
+        </p:nvSpPr>
+        <p:spPr bwMode="auto">
+          <a:xfrm>
+            <a:off x="539552" y="1124744"/>
+            <a:ext cx="8496944" cy="5733256"/>
+          </a:xfrm>
+          <a:prstGeom prst="rect">
+            <a:avLst/>
+          </a:prstGeom>
+          <a:noFill/>
+          <a:ln>
+            <a:noFill/>
+          </a:ln>
+          <a:extLst>
+            <a:ext uri="{909E8E84-426E-40DD-AFC4-6F175D3DCCD1}">
+              <a14:hiddenFill xmlns:a14="http://schemas.microsoft.com/office/drawing/2010/main">
+                <a:solidFill>
+                  <a:srgbClr val="FFFFFF"/>
+                </a:solidFill>
+              </a14:hiddenFill>
+            </a:ext>
+            <a:ext uri="{91240B29-F687-4F45-9708-019B960494DF}">
+              <a14:hiddenLine xmlns:a14="http://schemas.microsoft.com/office/drawing/2010/main" w="9525">
+                <a:solidFill>
+                  <a:srgbClr val="000000"/>
+                </a:solidFill>
+                <a:miter lim="800000"/>
+                <a:headEnd/>
+                <a:tailEnd/>
+              </a14:hiddenLine>
+            </a:ext>
+          </a:extLst>
+        </p:spPr>
+        <p:txBody>
+          <a:bodyPr/>
+          <a:lstStyle>
+            <a:lvl1pPr eaLnBrk="0" hangingPunct="0">
+              <a:spcBef>
+                <a:spcPct val="20000"/>
+              </a:spcBef>
+              <a:buChar char="•"/>
+              <a:defRPr sz="2400" b="1">
+                <a:solidFill>
+                  <a:srgbClr val="A50021"/>
+                </a:solidFill>
+                <a:latin typeface="Arial" pitchFamily="34" charset="0"/>
+                <a:ea typeface="ＭＳ Ｐゴシック" pitchFamily="34" charset="-128"/>
+              </a:defRPr>
+            </a:lvl1pPr>
+            <a:lvl2pPr eaLnBrk="0" hangingPunct="0">
+              <a:spcBef>
+                <a:spcPct val="20000"/>
+              </a:spcBef>
+              <a:buChar char="–"/>
+              <a:defRPr sz="2000">
+                <a:solidFill>
+                  <a:srgbClr val="000066"/>
+                </a:solidFill>
+                <a:latin typeface="Arial" pitchFamily="34" charset="0"/>
+                <a:ea typeface="ＭＳ Ｐゴシック" pitchFamily="34" charset="-128"/>
+              </a:defRPr>
+            </a:lvl2pPr>
+            <a:lvl3pPr eaLnBrk="0" hangingPunct="0">
+              <a:spcBef>
+                <a:spcPct val="20000"/>
+              </a:spcBef>
+              <a:buChar char="•"/>
+              <a:defRPr sz="1600">
+                <a:solidFill>
+                  <a:schemeClr val="tx1"/>
+                </a:solidFill>
+                <a:latin typeface="Arial" pitchFamily="34" charset="0"/>
+                <a:ea typeface="ＭＳ Ｐゴシック" pitchFamily="34" charset="-128"/>
+              </a:defRPr>
+            </a:lvl3pPr>
+            <a:lvl4pPr eaLnBrk="0" hangingPunct="0">
+              <a:spcBef>
+                <a:spcPct val="20000"/>
+              </a:spcBef>
+              <a:buChar char="–"/>
+              <a:defRPr sz="1600">
+                <a:solidFill>
+                  <a:schemeClr val="tx1"/>
+                </a:solidFill>
+                <a:latin typeface="Times New Roman" pitchFamily="18" charset="0"/>
+                <a:ea typeface="ＭＳ Ｐゴシック" pitchFamily="34" charset="-128"/>
+              </a:defRPr>
+            </a:lvl4pPr>
+            <a:lvl5pPr eaLnBrk="0" hangingPunct="0">
+              <a:spcBef>
+                <a:spcPct val="20000"/>
+              </a:spcBef>
+              <a:buChar char="»"/>
+              <a:defRPr sz="1200">
+                <a:solidFill>
+                  <a:schemeClr val="tx1"/>
+                </a:solidFill>
+                <a:latin typeface="Times New Roman" pitchFamily="18" charset="0"/>
+                <a:ea typeface="ＭＳ Ｐゴシック" pitchFamily="34" charset="-128"/>
+              </a:defRPr>
+            </a:lvl5pPr>
+            <a:lvl6pPr eaLnBrk="0" fontAlgn="base" hangingPunct="0">
+              <a:spcBef>
+                <a:spcPct val="20000"/>
+              </a:spcBef>
+              <a:spcAft>
+                <a:spcPct val="0"/>
+              </a:spcAft>
+              <a:buChar char="»"/>
+              <a:defRPr sz="1200">
+                <a:solidFill>
+                  <a:schemeClr val="tx1"/>
+                </a:solidFill>
+                <a:latin typeface="Times New Roman" pitchFamily="18" charset="0"/>
+                <a:ea typeface="ＭＳ Ｐゴシック" pitchFamily="34" charset="-128"/>
+              </a:defRPr>
+            </a:lvl6pPr>
+            <a:lvl7pPr eaLnBrk="0" fontAlgn="base" hangingPunct="0">
+              <a:spcBef>
+                <a:spcPct val="20000"/>
+              </a:spcBef>
+              <a:spcAft>
+                <a:spcPct val="0"/>
+              </a:spcAft>
+              <a:buChar char="»"/>
+              <a:defRPr sz="1200">
+                <a:solidFill>
+                  <a:schemeClr val="tx1"/>
+                </a:solidFill>
+                <a:latin typeface="Times New Roman" pitchFamily="18" charset="0"/>
+                <a:ea typeface="ＭＳ Ｐゴシック" pitchFamily="34" charset="-128"/>
+              </a:defRPr>
+            </a:lvl7pPr>
+            <a:lvl8pPr eaLnBrk="0" fontAlgn="base" hangingPunct="0">
+              <a:spcBef>
+                <a:spcPct val="20000"/>
+              </a:spcBef>
+              <a:spcAft>
+                <a:spcPct val="0"/>
+              </a:spcAft>
+              <a:buChar char="»"/>
+              <a:defRPr sz="1200">
+                <a:solidFill>
+                  <a:schemeClr val="tx1"/>
+                </a:solidFill>
+                <a:latin typeface="Times New Roman" pitchFamily="18" charset="0"/>
+                <a:ea typeface="ＭＳ Ｐゴシック" pitchFamily="34" charset="-128"/>
+              </a:defRPr>
+            </a:lvl8pPr>
+            <a:lvl9pPr eaLnBrk="0" fontAlgn="base" hangingPunct="0">
+              <a:spcBef>
+                <a:spcPct val="20000"/>
+              </a:spcBef>
+              <a:spcAft>
+                <a:spcPct val="0"/>
+              </a:spcAft>
+              <a:buChar char="»"/>
+              <a:defRPr sz="1200">
+                <a:solidFill>
+                  <a:schemeClr val="tx1"/>
+                </a:solidFill>
+                <a:latin typeface="Times New Roman" pitchFamily="18" charset="0"/>
+                <a:ea typeface="ＭＳ Ｐゴシック" pitchFamily="34" charset="-128"/>
+              </a:defRPr>
+            </a:lvl9pPr>
+          </a:lstStyle>
+          <a:p>
+            <a:pPr marL="271463" lvl="1" indent="-271463">
+              <a:spcBef>
+                <a:spcPts val="1800"/>
+              </a:spcBef>
+              <a:buFontTx/>
+              <a:buChar char="•"/>
+            </a:pPr>
+            <a:r>
+              <a:rPr lang="da-DK" altLang="da-DK" sz="1800" b="1" spc="-40" dirty="0" smtClean="0">
+                <a:solidFill>
+                  <a:srgbClr val="A50021"/>
+                </a:solidFill>
+              </a:rPr>
+              <a:t>Forelæsningerne kan genses inde på side ”Videoer fra forelæsninger”</a:t>
+            </a:r>
+          </a:p>
+          <a:p>
+            <a:pPr marL="742950" lvl="1" indent="-285750">
+              <a:spcBef>
+                <a:spcPts val="600"/>
+              </a:spcBef>
+            </a:pPr>
+            <a:r>
+              <a:rPr lang="da-DK" altLang="da-DK" sz="1600" dirty="0" smtClean="0"/>
+              <a:t>Klar ca. 1 time efter forelæsningen</a:t>
+            </a:r>
+          </a:p>
+          <a:p>
+            <a:pPr marL="271463" lvl="1" indent="-271463">
+              <a:spcBef>
+                <a:spcPts val="1200"/>
+              </a:spcBef>
+              <a:buFontTx/>
+              <a:buChar char="•"/>
+            </a:pPr>
+            <a:r>
+              <a:rPr lang="da-DK" altLang="da-DK" sz="1800" b="1" spc="-60" dirty="0" smtClean="0">
+                <a:solidFill>
+                  <a:srgbClr val="A50021"/>
+                </a:solidFill>
+              </a:rPr>
+              <a:t>Raflebæger 1 afleveres inde på siden ”Øvelser (inklusiv afleveringsopgaver”</a:t>
+            </a:r>
+          </a:p>
+          <a:p>
+            <a:pPr marL="742950" lvl="1" indent="-285750">
+              <a:spcBef>
+                <a:spcPts val="600"/>
+              </a:spcBef>
+            </a:pPr>
+            <a:r>
+              <a:rPr lang="da-DK" altLang="da-DK" sz="1600" dirty="0" smtClean="0"/>
+              <a:t>Husk </a:t>
+            </a:r>
+            <a:r>
+              <a:rPr lang="da-DK" altLang="da-DK" sz="1600" dirty="0"/>
+              <a:t>at bruge testserveren før I afleverer (som beskrevet i opgaven)</a:t>
+            </a:r>
+          </a:p>
+          <a:p>
+            <a:pPr marL="742950" lvl="1" indent="-285750">
+              <a:spcBef>
+                <a:spcPts val="600"/>
+              </a:spcBef>
+              <a:buFontTx/>
+              <a:buChar char="–"/>
+            </a:pPr>
+            <a:r>
+              <a:rPr lang="da-DK" altLang="da-DK" sz="1600" dirty="0" smtClean="0"/>
+              <a:t>Det er nok, at en fra hvert par afleverer (ellers oprettes der to afleveringer, hvor instruktoren kun retter den sidste)</a:t>
+            </a:r>
+          </a:p>
+          <a:p>
+            <a:pPr marL="742950" lvl="1" indent="-285750">
+              <a:spcBef>
+                <a:spcPts val="600"/>
+              </a:spcBef>
+              <a:buFontTx/>
+              <a:buChar char="–"/>
+            </a:pPr>
+            <a:r>
+              <a:rPr lang="da-DK" altLang="da-DK" sz="1600" dirty="0" smtClean="0"/>
+              <a:t>Når instruktorerne har rettet en opgave, kan I se hans kommentarer samme sted, som I afleverede</a:t>
+            </a:r>
+          </a:p>
+          <a:p>
+            <a:pPr marL="742950" lvl="1" indent="-285750">
+              <a:spcBef>
+                <a:spcPts val="600"/>
+              </a:spcBef>
+              <a:buFontTx/>
+              <a:buChar char="–"/>
+            </a:pPr>
+            <a:r>
+              <a:rPr lang="da-DK" altLang="da-DK" sz="1600" dirty="0" smtClean="0"/>
+              <a:t>Der er sikkert mange, der vil få genaflevering de første gange – for at rette småting i jeres programmeringsstil (der kommer mere info om, hvilken stil I bør benytte på næste seminar – se eventuelt også </a:t>
+            </a:r>
+            <a:r>
+              <a:rPr lang="da-DK" altLang="da-DK" sz="1600" dirty="0" err="1" smtClean="0"/>
+              <a:t>Appendix</a:t>
+            </a:r>
+            <a:r>
+              <a:rPr lang="da-DK" altLang="da-DK" sz="1600" dirty="0" smtClean="0"/>
+              <a:t> J i BlueJ bogen)</a:t>
+            </a:r>
+          </a:p>
+          <a:p>
+            <a:pPr marL="271463" lvl="1" indent="-271463">
+              <a:spcBef>
+                <a:spcPts val="1200"/>
+              </a:spcBef>
+              <a:buFontTx/>
+              <a:buChar char="•"/>
+            </a:pPr>
+            <a:r>
+              <a:rPr lang="da-DK" altLang="da-DK" sz="1800" b="1" spc="-40" dirty="0" smtClean="0">
+                <a:solidFill>
+                  <a:srgbClr val="A50021"/>
+                </a:solidFill>
+              </a:rPr>
+              <a:t>Quizzerne</a:t>
+            </a:r>
+            <a:endParaRPr lang="da-DK" altLang="da-DK" sz="1800" b="1" spc="-40" dirty="0">
+              <a:solidFill>
+                <a:srgbClr val="A50021"/>
+              </a:solidFill>
+            </a:endParaRPr>
+          </a:p>
+          <a:p>
+            <a:pPr marL="742950" lvl="1" indent="-285750">
+              <a:spcBef>
+                <a:spcPts val="600"/>
+              </a:spcBef>
+              <a:buFontTx/>
+              <a:buChar char="–"/>
+            </a:pPr>
+            <a:r>
+              <a:rPr lang="da-DK" altLang="da-DK" sz="1600" spc="-70" dirty="0" smtClean="0"/>
+              <a:t>Quizzerne løses ved hjælp af en quizserver (adgangskode og password er den samme, som for testserveren)</a:t>
+            </a:r>
+            <a:endParaRPr lang="da-DK" altLang="da-DK" sz="1600" dirty="0" smtClean="0"/>
+          </a:p>
+          <a:p>
+            <a:pPr marL="742950" lvl="1" indent="-285750">
+              <a:spcBef>
+                <a:spcPts val="600"/>
+              </a:spcBef>
+              <a:buFontTx/>
+              <a:buChar char="–"/>
+            </a:pPr>
+            <a:r>
+              <a:rPr lang="da-DK" altLang="da-DK" sz="1600" dirty="0" smtClean="0"/>
+              <a:t>Løs quizzerne ”så sent som muligt” (så I når at have læst stoffet først)</a:t>
+            </a:r>
+            <a:endParaRPr lang="da-DK" altLang="da-DK" sz="1600" dirty="0"/>
+          </a:p>
+        </p:txBody>
+      </p:sp>
+    </p:spTree>
+    <p:extLst>
+      <p:ext uri="{BB962C8B-B14F-4D97-AF65-F5344CB8AC3E}">
+        <p14:creationId xmlns:p14="http://schemas.microsoft.com/office/powerpoint/2010/main" val="1240138285"/>
+      </p:ext>
+    </p:extLst>
+  </p:cSld>
+  <p:clrMapOvr>
+    <a:masterClrMapping/>
+  </p:clrMapOvr>
+  <p:timing>
+    <p:tnLst>
+      <p:par>
+        <p:cTn id="1" dur="indefinite" restart="never" nodeType="tmRoot"/>
       </p:par>
     </p:tnLst>
   </p:timing>

--- a/web/g22/status/Status1.pptx
+++ b/web/g22/status/Status1.pptx
@@ -6443,8 +6443,17 @@
             </a:pPr>
             <a:r>
               <a:rPr lang="da-DK" sz="1800" dirty="0" smtClean="0"/>
-              <a:t>Program for dagen</a:t>
-            </a:r>
+              <a:t>Program </a:t>
+            </a:r>
+            <a:r>
+              <a:rPr lang="da-DK" sz="1800" smtClean="0"/>
+              <a:t>for </a:t>
+            </a:r>
+            <a:r>
+              <a:rPr lang="da-DK" sz="1800" smtClean="0"/>
+              <a:t>dagen </a:t>
+            </a:r>
+            <a:endParaRPr lang="da-DK" sz="1800" dirty="0" smtClean="0"/>
           </a:p>
           <a:p>
             <a:pPr marL="742950" lvl="1" indent="-285750">
@@ -6475,12 +6484,8 @@
               </a:spcBef>
             </a:pPr>
             <a:r>
-              <a:rPr lang="da-DK" sz="1600" smtClean="0"/>
-              <a:t>11.45 </a:t>
-            </a:r>
-            <a:r>
               <a:rPr lang="da-DK" sz="1600" dirty="0" smtClean="0"/>
-              <a:t>Præsentationsrunde og sammensætning af programmeringspar</a:t>
+              <a:t>11.45 Præsentationsrunde og sammensætning af programmeringspar</a:t>
             </a:r>
           </a:p>
           <a:p>
@@ -7472,11 +7477,7 @@
             </a:pPr>
             <a:r>
               <a:rPr lang="da-DK" altLang="da-DK" sz="1600" dirty="0" smtClean="0"/>
-              <a:t>Vi vil nødigt have mails fra jer (med mindre det er om ting, der ikke vedrører andre</a:t>
-            </a:r>
-            <a:r>
-              <a:rPr lang="da-DK" altLang="da-DK" sz="1600" dirty="0" smtClean="0"/>
-              <a:t>)</a:t>
+              <a:t>Vi vil nødigt have mails fra jer (med mindre det er om ting, der ikke vedrører andre)</a:t>
             </a:r>
           </a:p>
           <a:p>
@@ -12248,15 +12249,7 @@
                   <a:srgbClr val="A50021"/>
                 </a:solidFill>
               </a:rPr>
-              <a:t>Instruktorerne </a:t>
-            </a:r>
-            <a:r>
-              <a:rPr lang="da-DK" altLang="da-DK" sz="1800" b="1" spc="-40" dirty="0" smtClean="0">
-                <a:solidFill>
-                  <a:srgbClr val="A50021"/>
-                </a:solidFill>
-              </a:rPr>
-              <a:t>vil “bevæge” sig rundt mellem rummene og hjælpe jer</a:t>
+              <a:t>Instruktorerne vil “bevæge” sig rundt mellem rummene og hjælpe jer</a:t>
             </a:r>
           </a:p>
           <a:p>
@@ -12267,15 +12260,7 @@
             </a:pPr>
             <a:r>
               <a:rPr lang="da-DK" altLang="da-DK" sz="1600" spc="-40" dirty="0" smtClean="0"/>
-              <a:t>Hvis I vil tilkalde hjælp fra </a:t>
-            </a:r>
-            <a:r>
-              <a:rPr lang="da-DK" altLang="da-DK" sz="1600" spc="-40" dirty="0" smtClean="0"/>
-              <a:t>instruktorerne, </a:t>
-            </a:r>
-            <a:r>
-              <a:rPr lang="da-DK" altLang="da-DK" sz="1600" spc="-40" dirty="0" smtClean="0"/>
-              <a:t>nytter det ikke at bruge chat faciliteten i Zoom, idet beskeden kun kan læses af dem, som allerede er i rummet, når den skrives </a:t>
+              <a:t>Hvis I vil tilkalde hjælp fra instruktorerne, nytter det ikke at bruge chat faciliteten i Zoom, idet beskeden kun kan læses af dem, som allerede er i rummet, når den skrives </a:t>
             </a:r>
           </a:p>
           <a:p>

--- a/web/g22/status/Status1.pptx
+++ b/web/g22/status/Status1.pptx
@@ -6447,11 +6447,7 @@
             </a:r>
             <a:r>
               <a:rPr lang="da-DK" sz="1800" smtClean="0"/>
-              <a:t>for </a:t>
-            </a:r>
-            <a:r>
-              <a:rPr lang="da-DK" sz="1800" smtClean="0"/>
-              <a:t>dagen </a:t>
+              <a:t>for dagen </a:t>
             </a:r>
             <a:endParaRPr lang="da-DK" sz="1800" dirty="0" smtClean="0"/>
           </a:p>
@@ -8071,19 +8067,12 @@
               </a:spcBef>
             </a:pPr>
             <a:r>
+              <a:rPr lang="da-DK" sz="1600" dirty="0" smtClean="0"/>
+              <a:t>Bemærk</a:t>
+            </a:r>
+            <a:r>
               <a:rPr lang="da-DK" sz="1600" dirty="0"/>
-              <a:t>Læs også Brightspace siden Installation af Zoom under Info om kurset (inklusiv nyttige links).</a:t>
-            </a:r>
-          </a:p>
-          <a:p>
-            <a:pPr marL="742950" lvl="1" indent="-285750">
-              <a:spcBef>
-                <a:spcPts val="600"/>
-              </a:spcBef>
-            </a:pPr>
-            <a:r>
-              <a:rPr lang="da-DK" sz="1600" dirty="0"/>
-              <a:t>Bemærk, at I SKAL logge på AU’s Zoom installation, som beskrevet i vejledningens punkt 2. I skal altid logge ind ved at trykke på </a:t>
+              <a:t>, at I SKAL logge på AU’s Zoom installation, som beskrevet i vejledningens punkt 2. I skal altid logge ind ved at trykke på </a:t>
             </a:r>
             <a:r>
               <a:rPr lang="da-DK" sz="1600" dirty="0" err="1"/>
@@ -8112,8 +8101,27 @@
               </a:spcBef>
             </a:pPr>
             <a:r>
+              <a:rPr lang="da-DK" sz="1600" smtClean="0"/>
+              <a:t>Vi </a:t>
+            </a:r>
+            <a:r>
+              <a:rPr lang="da-DK" sz="1600" dirty="0" smtClean="0"/>
+              <a:t>starter kl. 15.30 og fortsætter frem til ca. 17.00</a:t>
+            </a:r>
+          </a:p>
+          <a:p>
+            <a:pPr marL="742950" lvl="1" indent="-285750">
+              <a:spcBef>
+                <a:spcPts val="600"/>
+              </a:spcBef>
+            </a:pPr>
+            <a:r>
+              <a:rPr lang="da-DK" sz="1600" dirty="0" smtClean="0"/>
+              <a:t>Kom </a:t>
+            </a:r>
+            <a:r>
               <a:rPr lang="da-DK" sz="1600" dirty="0"/>
-              <a:t>Kom så tidligt som </a:t>
+              <a:t>så tidligt som </a:t>
             </a:r>
             <a:r>
               <a:rPr lang="da-DK" sz="1600" dirty="0" smtClean="0"/>
@@ -8171,7 +8179,7 @@
             </a:pPr>
             <a:r>
               <a:rPr lang="da-DK" sz="1600" dirty="0" smtClean="0"/>
-              <a:t>alt </a:t>
+              <a:t>Alt </a:t>
             </a:r>
             <a:r>
               <a:rPr lang="da-DK" sz="1600" dirty="0"/>
